--- a/Homomorphic_Encryption/11.4~12.1/补充.pptx
+++ b/Homomorphic_Encryption/11.4~12.1/补充.pptx
@@ -5,22 +5,21 @@
     <p:sldMasterId id="2147483648" r:id="rId1"/>
   </p:sldMasterIdLst>
   <p:notesMasterIdLst>
-    <p:notesMasterId r:id="rId7"/>
+    <p:notesMasterId r:id="rId9"/>
   </p:notesMasterIdLst>
   <p:sldIdLst>
-    <p:sldId id="257" r:id="rId3"/>
-    <p:sldId id="256" r:id="rId4"/>
-    <p:sldId id="262" r:id="rId5"/>
-    <p:sldId id="261" r:id="rId6"/>
-    <p:sldId id="258" r:id="rId8"/>
-    <p:sldId id="260" r:id="rId9"/>
-    <p:sldId id="259" r:id="rId10"/>
-    <p:sldId id="268" r:id="rId11"/>
+    <p:sldId id="257" r:id="rId2"/>
+    <p:sldId id="256" r:id="rId3"/>
+    <p:sldId id="262" r:id="rId4"/>
+    <p:sldId id="261" r:id="rId5"/>
+    <p:sldId id="260" r:id="rId6"/>
+    <p:sldId id="258" r:id="rId7"/>
+    <p:sldId id="259" r:id="rId8"/>
   </p:sldIdLst>
   <p:sldSz cx="12192000" cy="6858000"/>
   <p:notesSz cx="6858000" cy="9144000"/>
   <p:custDataLst>
-    <p:tags r:id="rId15"/>
+    <p:tags r:id="rId10"/>
   </p:custDataLst>
   <p:defaultTextStyle>
     <a:defPPr>
@@ -117,6 +116,11 @@
       </a:defRPr>
     </a:lvl9pPr>
   </p:defaultTextStyle>
+  <p:extLst>
+    <p:ext uri="{EFAFB233-063F-42B5-8137-9DF3F51BA10A}">
+      <p15:sldGuideLst xmlns:p15="http://schemas.microsoft.com/office/powerpoint/2012/main"/>
+    </p:ext>
+  </p:extLst>
 </p:presentation>
 </file>
 
@@ -202,6 +206,7 @@
           <a:p>
             <a:fld id="{D2A48B96-639E-45A3-A0BA-2464DFDB1FAA}" type="datetimeFigureOut">
               <a:rPr lang="zh-CN" altLang="en-US" smtClean="0"/>
+              <a:t>2024/11/18</a:t>
             </a:fld>
             <a:endParaRPr lang="zh-CN" altLang="en-US"/>
           </a:p>
@@ -265,42 +270,37 @@
           <a:p>
             <a:pPr lvl="0"/>
             <a:r>
-              <a:rPr lang="zh-CN" altLang="en-US" smtClean="0"/>
+              <a:rPr lang="zh-CN" altLang="en-US"/>
               <a:t>单击此处编辑母版文本样式</a:t>
             </a:r>
-            <a:endParaRPr lang="zh-CN" altLang="en-US" smtClean="0"/>
           </a:p>
           <a:p>
             <a:pPr lvl="1"/>
             <a:r>
-              <a:rPr lang="zh-CN" altLang="en-US" smtClean="0"/>
+              <a:rPr lang="zh-CN" altLang="en-US"/>
               <a:t>第二级</a:t>
             </a:r>
-            <a:endParaRPr lang="zh-CN" altLang="en-US" smtClean="0"/>
           </a:p>
           <a:p>
             <a:pPr lvl="2"/>
             <a:r>
-              <a:rPr lang="zh-CN" altLang="en-US" smtClean="0"/>
+              <a:rPr lang="zh-CN" altLang="en-US"/>
               <a:t>第三级</a:t>
             </a:r>
-            <a:endParaRPr lang="zh-CN" altLang="en-US" smtClean="0"/>
           </a:p>
           <a:p>
             <a:pPr lvl="3"/>
             <a:r>
-              <a:rPr lang="zh-CN" altLang="en-US" smtClean="0"/>
+              <a:rPr lang="zh-CN" altLang="en-US"/>
               <a:t>第四级</a:t>
             </a:r>
-            <a:endParaRPr lang="zh-CN" altLang="en-US" smtClean="0"/>
           </a:p>
           <a:p>
             <a:pPr lvl="4"/>
             <a:r>
-              <a:rPr lang="zh-CN" altLang="en-US" smtClean="0"/>
+              <a:rPr lang="zh-CN" altLang="en-US"/>
               <a:t>第五级</a:t>
             </a:r>
-            <a:endParaRPr lang="zh-CN" altLang="en-US"/>
           </a:p>
         </p:txBody>
       </p:sp>
@@ -364,6 +364,7 @@
           <a:p>
             <a:fld id="{A6837353-30EB-4A48-80EB-173D804AEFBD}" type="slidenum">
               <a:rPr lang="zh-CN" altLang="en-US" smtClean="0"/>
+              <a:t>‹#›</a:t>
             </a:fld>
             <a:endParaRPr lang="zh-CN" altLang="en-US"/>
           </a:p>
@@ -476,12 +477,19 @@
         <p:cNvGrpSpPr/>
         <p:nvPr/>
       </p:nvGrpSpPr>
-      <p:grpSpPr/>
+      <p:grpSpPr>
+        <a:xfrm>
+          <a:off x="0" y="0"/>
+          <a:ext cx="0" cy="0"/>
+          <a:chOff x="0" y="0"/>
+          <a:chExt cx="0" cy="0"/>
+        </a:xfrm>
+      </p:grpSpPr>
       <p:sp>
         <p:nvSpPr>
           <p:cNvPr id="2" name="幻灯片图像占位符 1"/>
           <p:cNvSpPr>
-            <a:spLocks noGrp="1"/>
+            <a:spLocks noGrp="1" noRot="1" noChangeAspect="1"/>
           </p:cNvSpPr>
           <p:nvPr>
             <p:ph type="sldImg" idx="2"/>
@@ -502,16 +510,12 @@
         <p:spPr/>
         <p:txBody>
           <a:bodyPr/>
-          <a:p>
-            <a:r>
-              <a:rPr lang="zh-CN" altLang="en-US"/>
-              <a:t>噪声会无限增大但不会超过</a:t>
-            </a:r>
-            <a:r>
-              <a:rPr lang="zh-CN" altLang="en-US"/>
-              <a:t>上限</a:t>
-            </a:r>
-            <a:endParaRPr lang="zh-CN" altLang="en-US"/>
+          <a:lstStyle/>
+          <a:p>
+            <a:r>
+              <a:rPr lang="zh-CN" altLang="en-US"/>
+              <a:t>噪声会无限增大但不会超过上限</a:t>
+            </a:r>
           </a:p>
         </p:txBody>
       </p:sp>
@@ -565,10 +569,9 @@
           </a:lstStyle>
           <a:p>
             <a:r>
-              <a:rPr lang="zh-CN" altLang="en-US" smtClean="0"/>
+              <a:rPr lang="zh-CN" altLang="en-US"/>
               <a:t>单击此处编辑母版标题样式</a:t>
             </a:r>
-            <a:endParaRPr lang="zh-CN" altLang="en-US"/>
           </a:p>
         </p:txBody>
       </p:sp>
@@ -630,10 +633,9 @@
           </a:lstStyle>
           <a:p>
             <a:r>
-              <a:rPr lang="zh-CN" altLang="en-US" smtClean="0"/>
+              <a:rPr lang="zh-CN" altLang="en-US"/>
               <a:t>单击此处编辑母版副标题样式</a:t>
             </a:r>
-            <a:endParaRPr lang="zh-CN" altLang="en-US"/>
           </a:p>
         </p:txBody>
       </p:sp>
@@ -654,6 +656,7 @@
           <a:p>
             <a:fld id="{D997B5FA-0921-464F-AAE1-844C04324D75}" type="datetimeFigureOut">
               <a:rPr lang="zh-CN" altLang="en-US" smtClean="0"/>
+              <a:t>2024/11/18</a:t>
             </a:fld>
             <a:endParaRPr lang="zh-CN" altLang="en-US"/>
           </a:p>
@@ -695,6 +698,7 @@
           <a:p>
             <a:fld id="{565CE74E-AB26-4998-AD42-012C4C1AD076}" type="slidenum">
               <a:rPr lang="zh-CN" altLang="en-US" smtClean="0"/>
+              <a:t>‹#›</a:t>
             </a:fld>
             <a:endParaRPr lang="zh-CN" altLang="en-US"/>
           </a:p>
@@ -741,10 +745,9 @@
           <a:lstStyle/>
           <a:p>
             <a:r>
-              <a:rPr lang="zh-CN" altLang="en-US" smtClean="0"/>
+              <a:rPr lang="zh-CN" altLang="en-US"/>
               <a:t>单击此处编辑母版标题样式</a:t>
             </a:r>
-            <a:endParaRPr lang="zh-CN" altLang="en-US"/>
           </a:p>
         </p:txBody>
       </p:sp>
@@ -765,42 +768,37 @@
           <a:p>
             <a:pPr lvl="0"/>
             <a:r>
-              <a:rPr lang="zh-CN" altLang="en-US" smtClean="0"/>
+              <a:rPr lang="zh-CN" altLang="en-US"/>
               <a:t>单击此处编辑母版文本样式</a:t>
             </a:r>
-            <a:endParaRPr lang="zh-CN" altLang="en-US" smtClean="0"/>
           </a:p>
           <a:p>
             <a:pPr lvl="1"/>
             <a:r>
-              <a:rPr lang="zh-CN" altLang="en-US" smtClean="0"/>
+              <a:rPr lang="zh-CN" altLang="en-US"/>
               <a:t>第二级</a:t>
             </a:r>
-            <a:endParaRPr lang="zh-CN" altLang="en-US" smtClean="0"/>
           </a:p>
           <a:p>
             <a:pPr lvl="2"/>
             <a:r>
-              <a:rPr lang="zh-CN" altLang="en-US" smtClean="0"/>
+              <a:rPr lang="zh-CN" altLang="en-US"/>
               <a:t>第三级</a:t>
             </a:r>
-            <a:endParaRPr lang="zh-CN" altLang="en-US" smtClean="0"/>
           </a:p>
           <a:p>
             <a:pPr lvl="3"/>
             <a:r>
-              <a:rPr lang="zh-CN" altLang="en-US" smtClean="0"/>
+              <a:rPr lang="zh-CN" altLang="en-US"/>
               <a:t>第四级</a:t>
             </a:r>
-            <a:endParaRPr lang="zh-CN" altLang="en-US" smtClean="0"/>
           </a:p>
           <a:p>
             <a:pPr lvl="4"/>
             <a:r>
-              <a:rPr lang="zh-CN" altLang="en-US" smtClean="0"/>
+              <a:rPr lang="zh-CN" altLang="en-US"/>
               <a:t>第五级</a:t>
             </a:r>
-            <a:endParaRPr lang="zh-CN" altLang="en-US"/>
           </a:p>
         </p:txBody>
       </p:sp>
@@ -821,6 +819,7 @@
           <a:p>
             <a:fld id="{D997B5FA-0921-464F-AAE1-844C04324D75}" type="datetimeFigureOut">
               <a:rPr lang="zh-CN" altLang="en-US" smtClean="0"/>
+              <a:t>2024/11/18</a:t>
             </a:fld>
             <a:endParaRPr lang="zh-CN" altLang="en-US"/>
           </a:p>
@@ -862,6 +861,7 @@
           <a:p>
             <a:fld id="{565CE74E-AB26-4998-AD42-012C4C1AD076}" type="slidenum">
               <a:rPr lang="zh-CN" altLang="en-US" smtClean="0"/>
+              <a:t>‹#›</a:t>
             </a:fld>
             <a:endParaRPr lang="zh-CN" altLang="en-US"/>
           </a:p>
@@ -913,10 +913,9 @@
           <a:lstStyle/>
           <a:p>
             <a:r>
-              <a:rPr lang="zh-CN" altLang="en-US" smtClean="0"/>
+              <a:rPr lang="zh-CN" altLang="en-US"/>
               <a:t>单击此处编辑母版标题样式</a:t>
             </a:r>
-            <a:endParaRPr lang="zh-CN" altLang="en-US"/>
           </a:p>
         </p:txBody>
       </p:sp>
@@ -942,42 +941,37 @@
           <a:p>
             <a:pPr lvl="0"/>
             <a:r>
-              <a:rPr lang="zh-CN" altLang="en-US" smtClean="0"/>
+              <a:rPr lang="zh-CN" altLang="en-US"/>
               <a:t>单击此处编辑母版文本样式</a:t>
             </a:r>
-            <a:endParaRPr lang="zh-CN" altLang="en-US" smtClean="0"/>
           </a:p>
           <a:p>
             <a:pPr lvl="1"/>
             <a:r>
-              <a:rPr lang="zh-CN" altLang="en-US" smtClean="0"/>
+              <a:rPr lang="zh-CN" altLang="en-US"/>
               <a:t>第二级</a:t>
             </a:r>
-            <a:endParaRPr lang="zh-CN" altLang="en-US" smtClean="0"/>
           </a:p>
           <a:p>
             <a:pPr lvl="2"/>
             <a:r>
-              <a:rPr lang="zh-CN" altLang="en-US" smtClean="0"/>
+              <a:rPr lang="zh-CN" altLang="en-US"/>
               <a:t>第三级</a:t>
             </a:r>
-            <a:endParaRPr lang="zh-CN" altLang="en-US" smtClean="0"/>
           </a:p>
           <a:p>
             <a:pPr lvl="3"/>
             <a:r>
-              <a:rPr lang="zh-CN" altLang="en-US" smtClean="0"/>
+              <a:rPr lang="zh-CN" altLang="en-US"/>
               <a:t>第四级</a:t>
             </a:r>
-            <a:endParaRPr lang="zh-CN" altLang="en-US" smtClean="0"/>
           </a:p>
           <a:p>
             <a:pPr lvl="4"/>
             <a:r>
-              <a:rPr lang="zh-CN" altLang="en-US" smtClean="0"/>
+              <a:rPr lang="zh-CN" altLang="en-US"/>
               <a:t>第五级</a:t>
             </a:r>
-            <a:endParaRPr lang="zh-CN" altLang="en-US"/>
           </a:p>
         </p:txBody>
       </p:sp>
@@ -998,6 +992,7 @@
           <a:p>
             <a:fld id="{D997B5FA-0921-464F-AAE1-844C04324D75}" type="datetimeFigureOut">
               <a:rPr lang="zh-CN" altLang="en-US" smtClean="0"/>
+              <a:t>2024/11/18</a:t>
             </a:fld>
             <a:endParaRPr lang="zh-CN" altLang="en-US"/>
           </a:p>
@@ -1039,6 +1034,7 @@
           <a:p>
             <a:fld id="{565CE74E-AB26-4998-AD42-012C4C1AD076}" type="slidenum">
               <a:rPr lang="zh-CN" altLang="en-US" smtClean="0"/>
+              <a:t>‹#›</a:t>
             </a:fld>
             <a:endParaRPr lang="zh-CN" altLang="en-US"/>
           </a:p>
@@ -1085,10 +1081,9 @@
           <a:lstStyle/>
           <a:p>
             <a:r>
-              <a:rPr lang="zh-CN" altLang="en-US" smtClean="0"/>
+              <a:rPr lang="zh-CN" altLang="en-US"/>
               <a:t>单击此处编辑母版标题样式</a:t>
             </a:r>
-            <a:endParaRPr lang="zh-CN" altLang="en-US"/>
           </a:p>
         </p:txBody>
       </p:sp>
@@ -1109,42 +1104,37 @@
           <a:p>
             <a:pPr lvl="0"/>
             <a:r>
-              <a:rPr lang="zh-CN" altLang="en-US" smtClean="0"/>
+              <a:rPr lang="zh-CN" altLang="en-US"/>
               <a:t>单击此处编辑母版文本样式</a:t>
             </a:r>
-            <a:endParaRPr lang="zh-CN" altLang="en-US" smtClean="0"/>
           </a:p>
           <a:p>
             <a:pPr lvl="1"/>
             <a:r>
-              <a:rPr lang="zh-CN" altLang="en-US" smtClean="0"/>
+              <a:rPr lang="zh-CN" altLang="en-US"/>
               <a:t>第二级</a:t>
             </a:r>
-            <a:endParaRPr lang="zh-CN" altLang="en-US" smtClean="0"/>
           </a:p>
           <a:p>
             <a:pPr lvl="2"/>
             <a:r>
-              <a:rPr lang="zh-CN" altLang="en-US" smtClean="0"/>
+              <a:rPr lang="zh-CN" altLang="en-US"/>
               <a:t>第三级</a:t>
             </a:r>
-            <a:endParaRPr lang="zh-CN" altLang="en-US" smtClean="0"/>
           </a:p>
           <a:p>
             <a:pPr lvl="3"/>
             <a:r>
-              <a:rPr lang="zh-CN" altLang="en-US" smtClean="0"/>
+              <a:rPr lang="zh-CN" altLang="en-US"/>
               <a:t>第四级</a:t>
             </a:r>
-            <a:endParaRPr lang="zh-CN" altLang="en-US" smtClean="0"/>
           </a:p>
           <a:p>
             <a:pPr lvl="4"/>
             <a:r>
-              <a:rPr lang="zh-CN" altLang="en-US" smtClean="0"/>
+              <a:rPr lang="zh-CN" altLang="en-US"/>
               <a:t>第五级</a:t>
             </a:r>
-            <a:endParaRPr lang="zh-CN" altLang="en-US"/>
           </a:p>
         </p:txBody>
       </p:sp>
@@ -1165,6 +1155,7 @@
           <a:p>
             <a:fld id="{D997B5FA-0921-464F-AAE1-844C04324D75}" type="datetimeFigureOut">
               <a:rPr lang="zh-CN" altLang="en-US" smtClean="0"/>
+              <a:t>2024/11/18</a:t>
             </a:fld>
             <a:endParaRPr lang="zh-CN" altLang="en-US"/>
           </a:p>
@@ -1206,6 +1197,7 @@
           <a:p>
             <a:fld id="{565CE74E-AB26-4998-AD42-012C4C1AD076}" type="slidenum">
               <a:rPr lang="zh-CN" altLang="en-US" smtClean="0"/>
+              <a:t>‹#›</a:t>
             </a:fld>
             <a:endParaRPr lang="zh-CN" altLang="en-US"/>
           </a:p>
@@ -1261,10 +1253,9 @@
           </a:lstStyle>
           <a:p>
             <a:r>
-              <a:rPr lang="zh-CN" altLang="en-US" smtClean="0"/>
+              <a:rPr lang="zh-CN" altLang="en-US"/>
               <a:t>单击此处编辑母版标题样式</a:t>
             </a:r>
-            <a:endParaRPr lang="zh-CN" altLang="en-US"/>
           </a:p>
         </p:txBody>
       </p:sp>
@@ -1381,10 +1372,9 @@
           <a:p>
             <a:pPr lvl="0"/>
             <a:r>
-              <a:rPr lang="zh-CN" altLang="en-US" smtClean="0"/>
+              <a:rPr lang="zh-CN" altLang="en-US"/>
               <a:t>单击此处编辑母版文本样式</a:t>
             </a:r>
-            <a:endParaRPr lang="zh-CN" altLang="en-US" smtClean="0"/>
           </a:p>
         </p:txBody>
       </p:sp>
@@ -1405,6 +1395,7 @@
           <a:p>
             <a:fld id="{D997B5FA-0921-464F-AAE1-844C04324D75}" type="datetimeFigureOut">
               <a:rPr lang="zh-CN" altLang="en-US" smtClean="0"/>
+              <a:t>2024/11/18</a:t>
             </a:fld>
             <a:endParaRPr lang="zh-CN" altLang="en-US"/>
           </a:p>
@@ -1446,6 +1437,7 @@
           <a:p>
             <a:fld id="{565CE74E-AB26-4998-AD42-012C4C1AD076}" type="slidenum">
               <a:rPr lang="zh-CN" altLang="en-US" smtClean="0"/>
+              <a:t>‹#›</a:t>
             </a:fld>
             <a:endParaRPr lang="zh-CN" altLang="en-US"/>
           </a:p>
@@ -1492,10 +1484,9 @@
           <a:lstStyle/>
           <a:p>
             <a:r>
-              <a:rPr lang="zh-CN" altLang="en-US" smtClean="0"/>
+              <a:rPr lang="zh-CN" altLang="en-US"/>
               <a:t>单击此处编辑母版标题样式</a:t>
             </a:r>
-            <a:endParaRPr lang="zh-CN" altLang="en-US"/>
           </a:p>
         </p:txBody>
       </p:sp>
@@ -1521,42 +1512,37 @@
           <a:p>
             <a:pPr lvl="0"/>
             <a:r>
-              <a:rPr lang="zh-CN" altLang="en-US" smtClean="0"/>
+              <a:rPr lang="zh-CN" altLang="en-US"/>
               <a:t>单击此处编辑母版文本样式</a:t>
             </a:r>
-            <a:endParaRPr lang="zh-CN" altLang="en-US" smtClean="0"/>
           </a:p>
           <a:p>
             <a:pPr lvl="1"/>
             <a:r>
-              <a:rPr lang="zh-CN" altLang="en-US" smtClean="0"/>
+              <a:rPr lang="zh-CN" altLang="en-US"/>
               <a:t>第二级</a:t>
             </a:r>
-            <a:endParaRPr lang="zh-CN" altLang="en-US" smtClean="0"/>
           </a:p>
           <a:p>
             <a:pPr lvl="2"/>
             <a:r>
-              <a:rPr lang="zh-CN" altLang="en-US" smtClean="0"/>
+              <a:rPr lang="zh-CN" altLang="en-US"/>
               <a:t>第三级</a:t>
             </a:r>
-            <a:endParaRPr lang="zh-CN" altLang="en-US" smtClean="0"/>
           </a:p>
           <a:p>
             <a:pPr lvl="3"/>
             <a:r>
-              <a:rPr lang="zh-CN" altLang="en-US" smtClean="0"/>
+              <a:rPr lang="zh-CN" altLang="en-US"/>
               <a:t>第四级</a:t>
             </a:r>
-            <a:endParaRPr lang="zh-CN" altLang="en-US" smtClean="0"/>
           </a:p>
           <a:p>
             <a:pPr lvl="4"/>
             <a:r>
-              <a:rPr lang="zh-CN" altLang="en-US" smtClean="0"/>
+              <a:rPr lang="zh-CN" altLang="en-US"/>
               <a:t>第五级</a:t>
             </a:r>
-            <a:endParaRPr lang="zh-CN" altLang="en-US"/>
           </a:p>
         </p:txBody>
       </p:sp>
@@ -1582,42 +1568,37 @@
           <a:p>
             <a:pPr lvl="0"/>
             <a:r>
-              <a:rPr lang="zh-CN" altLang="en-US" smtClean="0"/>
+              <a:rPr lang="zh-CN" altLang="en-US"/>
               <a:t>单击此处编辑母版文本样式</a:t>
             </a:r>
-            <a:endParaRPr lang="zh-CN" altLang="en-US" smtClean="0"/>
           </a:p>
           <a:p>
             <a:pPr lvl="1"/>
             <a:r>
-              <a:rPr lang="zh-CN" altLang="en-US" smtClean="0"/>
+              <a:rPr lang="zh-CN" altLang="en-US"/>
               <a:t>第二级</a:t>
             </a:r>
-            <a:endParaRPr lang="zh-CN" altLang="en-US" smtClean="0"/>
           </a:p>
           <a:p>
             <a:pPr lvl="2"/>
             <a:r>
-              <a:rPr lang="zh-CN" altLang="en-US" smtClean="0"/>
+              <a:rPr lang="zh-CN" altLang="en-US"/>
               <a:t>第三级</a:t>
             </a:r>
-            <a:endParaRPr lang="zh-CN" altLang="en-US" smtClean="0"/>
           </a:p>
           <a:p>
             <a:pPr lvl="3"/>
             <a:r>
-              <a:rPr lang="zh-CN" altLang="en-US" smtClean="0"/>
+              <a:rPr lang="zh-CN" altLang="en-US"/>
               <a:t>第四级</a:t>
             </a:r>
-            <a:endParaRPr lang="zh-CN" altLang="en-US" smtClean="0"/>
           </a:p>
           <a:p>
             <a:pPr lvl="4"/>
             <a:r>
-              <a:rPr lang="zh-CN" altLang="en-US" smtClean="0"/>
+              <a:rPr lang="zh-CN" altLang="en-US"/>
               <a:t>第五级</a:t>
             </a:r>
-            <a:endParaRPr lang="zh-CN" altLang="en-US"/>
           </a:p>
         </p:txBody>
       </p:sp>
@@ -1638,6 +1619,7 @@
           <a:p>
             <a:fld id="{D997B5FA-0921-464F-AAE1-844C04324D75}" type="datetimeFigureOut">
               <a:rPr lang="zh-CN" altLang="en-US" smtClean="0"/>
+              <a:t>2024/11/18</a:t>
             </a:fld>
             <a:endParaRPr lang="zh-CN" altLang="en-US"/>
           </a:p>
@@ -1679,6 +1661,7 @@
           <a:p>
             <a:fld id="{565CE74E-AB26-4998-AD42-012C4C1AD076}" type="slidenum">
               <a:rPr lang="zh-CN" altLang="en-US" smtClean="0"/>
+              <a:t>‹#›</a:t>
             </a:fld>
             <a:endParaRPr lang="zh-CN" altLang="en-US"/>
           </a:p>
@@ -1730,10 +1713,9 @@
           <a:lstStyle/>
           <a:p>
             <a:r>
-              <a:rPr lang="zh-CN" altLang="en-US" smtClean="0"/>
+              <a:rPr lang="zh-CN" altLang="en-US"/>
               <a:t>单击此处编辑母版标题样式</a:t>
             </a:r>
-            <a:endParaRPr lang="zh-CN" altLang="en-US"/>
           </a:p>
         </p:txBody>
       </p:sp>
@@ -1796,10 +1778,9 @@
           <a:p>
             <a:pPr lvl="0"/>
             <a:r>
-              <a:rPr lang="zh-CN" altLang="en-US" smtClean="0"/>
+              <a:rPr lang="zh-CN" altLang="en-US"/>
               <a:t>单击此处编辑母版文本样式</a:t>
             </a:r>
-            <a:endParaRPr lang="zh-CN" altLang="en-US" smtClean="0"/>
           </a:p>
         </p:txBody>
       </p:sp>
@@ -1825,42 +1806,37 @@
           <a:p>
             <a:pPr lvl="0"/>
             <a:r>
-              <a:rPr lang="zh-CN" altLang="en-US" smtClean="0"/>
+              <a:rPr lang="zh-CN" altLang="en-US"/>
               <a:t>单击此处编辑母版文本样式</a:t>
             </a:r>
-            <a:endParaRPr lang="zh-CN" altLang="en-US" smtClean="0"/>
           </a:p>
           <a:p>
             <a:pPr lvl="1"/>
             <a:r>
-              <a:rPr lang="zh-CN" altLang="en-US" smtClean="0"/>
+              <a:rPr lang="zh-CN" altLang="en-US"/>
               <a:t>第二级</a:t>
             </a:r>
-            <a:endParaRPr lang="zh-CN" altLang="en-US" smtClean="0"/>
           </a:p>
           <a:p>
             <a:pPr lvl="2"/>
             <a:r>
-              <a:rPr lang="zh-CN" altLang="en-US" smtClean="0"/>
+              <a:rPr lang="zh-CN" altLang="en-US"/>
               <a:t>第三级</a:t>
             </a:r>
-            <a:endParaRPr lang="zh-CN" altLang="en-US" smtClean="0"/>
           </a:p>
           <a:p>
             <a:pPr lvl="3"/>
             <a:r>
-              <a:rPr lang="zh-CN" altLang="en-US" smtClean="0"/>
+              <a:rPr lang="zh-CN" altLang="en-US"/>
               <a:t>第四级</a:t>
             </a:r>
-            <a:endParaRPr lang="zh-CN" altLang="en-US" smtClean="0"/>
           </a:p>
           <a:p>
             <a:pPr lvl="4"/>
             <a:r>
-              <a:rPr lang="zh-CN" altLang="en-US" smtClean="0"/>
+              <a:rPr lang="zh-CN" altLang="en-US"/>
               <a:t>第五级</a:t>
             </a:r>
-            <a:endParaRPr lang="zh-CN" altLang="en-US"/>
           </a:p>
         </p:txBody>
       </p:sp>
@@ -1923,10 +1899,9 @@
           <a:p>
             <a:pPr lvl="0"/>
             <a:r>
-              <a:rPr lang="zh-CN" altLang="en-US" smtClean="0"/>
+              <a:rPr lang="zh-CN" altLang="en-US"/>
               <a:t>单击此处编辑母版文本样式</a:t>
             </a:r>
-            <a:endParaRPr lang="zh-CN" altLang="en-US" smtClean="0"/>
           </a:p>
         </p:txBody>
       </p:sp>
@@ -1952,42 +1927,37 @@
           <a:p>
             <a:pPr lvl="0"/>
             <a:r>
-              <a:rPr lang="zh-CN" altLang="en-US" smtClean="0"/>
+              <a:rPr lang="zh-CN" altLang="en-US"/>
               <a:t>单击此处编辑母版文本样式</a:t>
             </a:r>
-            <a:endParaRPr lang="zh-CN" altLang="en-US" smtClean="0"/>
           </a:p>
           <a:p>
             <a:pPr lvl="1"/>
             <a:r>
-              <a:rPr lang="zh-CN" altLang="en-US" smtClean="0"/>
+              <a:rPr lang="zh-CN" altLang="en-US"/>
               <a:t>第二级</a:t>
             </a:r>
-            <a:endParaRPr lang="zh-CN" altLang="en-US" smtClean="0"/>
           </a:p>
           <a:p>
             <a:pPr lvl="2"/>
             <a:r>
-              <a:rPr lang="zh-CN" altLang="en-US" smtClean="0"/>
+              <a:rPr lang="zh-CN" altLang="en-US"/>
               <a:t>第三级</a:t>
             </a:r>
-            <a:endParaRPr lang="zh-CN" altLang="en-US" smtClean="0"/>
           </a:p>
           <a:p>
             <a:pPr lvl="3"/>
             <a:r>
-              <a:rPr lang="zh-CN" altLang="en-US" smtClean="0"/>
+              <a:rPr lang="zh-CN" altLang="en-US"/>
               <a:t>第四级</a:t>
             </a:r>
-            <a:endParaRPr lang="zh-CN" altLang="en-US" smtClean="0"/>
           </a:p>
           <a:p>
             <a:pPr lvl="4"/>
             <a:r>
-              <a:rPr lang="zh-CN" altLang="en-US" smtClean="0"/>
+              <a:rPr lang="zh-CN" altLang="en-US"/>
               <a:t>第五级</a:t>
             </a:r>
-            <a:endParaRPr lang="zh-CN" altLang="en-US"/>
           </a:p>
         </p:txBody>
       </p:sp>
@@ -2008,6 +1978,7 @@
           <a:p>
             <a:fld id="{D997B5FA-0921-464F-AAE1-844C04324D75}" type="datetimeFigureOut">
               <a:rPr lang="zh-CN" altLang="en-US" smtClean="0"/>
+              <a:t>2024/11/18</a:t>
             </a:fld>
             <a:endParaRPr lang="zh-CN" altLang="en-US"/>
           </a:p>
@@ -2049,6 +2020,7 @@
           <a:p>
             <a:fld id="{565CE74E-AB26-4998-AD42-012C4C1AD076}" type="slidenum">
               <a:rPr lang="zh-CN" altLang="en-US" smtClean="0"/>
+              <a:t>‹#›</a:t>
             </a:fld>
             <a:endParaRPr lang="zh-CN" altLang="en-US"/>
           </a:p>
@@ -2095,10 +2067,9 @@
           <a:lstStyle/>
           <a:p>
             <a:r>
-              <a:rPr lang="zh-CN" altLang="en-US" smtClean="0"/>
+              <a:rPr lang="zh-CN" altLang="en-US"/>
               <a:t>单击此处编辑母版标题样式</a:t>
             </a:r>
-            <a:endParaRPr lang="zh-CN" altLang="en-US"/>
           </a:p>
         </p:txBody>
       </p:sp>
@@ -2119,6 +2090,7 @@
           <a:p>
             <a:fld id="{D997B5FA-0921-464F-AAE1-844C04324D75}" type="datetimeFigureOut">
               <a:rPr lang="zh-CN" altLang="en-US" smtClean="0"/>
+              <a:t>2024/11/18</a:t>
             </a:fld>
             <a:endParaRPr lang="zh-CN" altLang="en-US"/>
           </a:p>
@@ -2160,6 +2132,7 @@
           <a:p>
             <a:fld id="{565CE74E-AB26-4998-AD42-012C4C1AD076}" type="slidenum">
               <a:rPr lang="zh-CN" altLang="en-US" smtClean="0"/>
+              <a:t>‹#›</a:t>
             </a:fld>
             <a:endParaRPr lang="zh-CN" altLang="en-US"/>
           </a:p>
@@ -2207,6 +2180,7 @@
           <a:p>
             <a:fld id="{D997B5FA-0921-464F-AAE1-844C04324D75}" type="datetimeFigureOut">
               <a:rPr lang="zh-CN" altLang="en-US" smtClean="0"/>
+              <a:t>2024/11/18</a:t>
             </a:fld>
             <a:endParaRPr lang="zh-CN" altLang="en-US"/>
           </a:p>
@@ -2248,6 +2222,7 @@
           <a:p>
             <a:fld id="{565CE74E-AB26-4998-AD42-012C4C1AD076}" type="slidenum">
               <a:rPr lang="zh-CN" altLang="en-US" smtClean="0"/>
+              <a:t>‹#›</a:t>
             </a:fld>
             <a:endParaRPr lang="zh-CN" altLang="en-US"/>
           </a:p>
@@ -2303,10 +2278,9 @@
           </a:lstStyle>
           <a:p>
             <a:r>
-              <a:rPr lang="zh-CN" altLang="en-US" smtClean="0"/>
+              <a:rPr lang="zh-CN" altLang="en-US"/>
               <a:t>单击此处编辑母版标题样式</a:t>
             </a:r>
-            <a:endParaRPr lang="zh-CN" altLang="en-US"/>
           </a:p>
         </p:txBody>
       </p:sp>
@@ -2360,42 +2334,37 @@
           <a:p>
             <a:pPr lvl="0"/>
             <a:r>
-              <a:rPr lang="zh-CN" altLang="en-US" smtClean="0"/>
+              <a:rPr lang="zh-CN" altLang="en-US"/>
               <a:t>单击此处编辑母版文本样式</a:t>
             </a:r>
-            <a:endParaRPr lang="zh-CN" altLang="en-US" smtClean="0"/>
           </a:p>
           <a:p>
             <a:pPr lvl="1"/>
             <a:r>
-              <a:rPr lang="zh-CN" altLang="en-US" smtClean="0"/>
+              <a:rPr lang="zh-CN" altLang="en-US"/>
               <a:t>第二级</a:t>
             </a:r>
-            <a:endParaRPr lang="zh-CN" altLang="en-US" smtClean="0"/>
           </a:p>
           <a:p>
             <a:pPr lvl="2"/>
             <a:r>
-              <a:rPr lang="zh-CN" altLang="en-US" smtClean="0"/>
+              <a:rPr lang="zh-CN" altLang="en-US"/>
               <a:t>第三级</a:t>
             </a:r>
-            <a:endParaRPr lang="zh-CN" altLang="en-US" smtClean="0"/>
           </a:p>
           <a:p>
             <a:pPr lvl="3"/>
             <a:r>
-              <a:rPr lang="zh-CN" altLang="en-US" smtClean="0"/>
+              <a:rPr lang="zh-CN" altLang="en-US"/>
               <a:t>第四级</a:t>
             </a:r>
-            <a:endParaRPr lang="zh-CN" altLang="en-US" smtClean="0"/>
           </a:p>
           <a:p>
             <a:pPr lvl="4"/>
             <a:r>
-              <a:rPr lang="zh-CN" altLang="en-US" smtClean="0"/>
+              <a:rPr lang="zh-CN" altLang="en-US"/>
               <a:t>第五级</a:t>
             </a:r>
-            <a:endParaRPr lang="zh-CN" altLang="en-US"/>
           </a:p>
         </p:txBody>
       </p:sp>
@@ -2458,10 +2427,9 @@
           <a:p>
             <a:pPr lvl="0"/>
             <a:r>
-              <a:rPr lang="zh-CN" altLang="en-US" smtClean="0"/>
+              <a:rPr lang="zh-CN" altLang="en-US"/>
               <a:t>单击此处编辑母版文本样式</a:t>
             </a:r>
-            <a:endParaRPr lang="zh-CN" altLang="en-US" smtClean="0"/>
           </a:p>
         </p:txBody>
       </p:sp>
@@ -2482,6 +2450,7 @@
           <a:p>
             <a:fld id="{D997B5FA-0921-464F-AAE1-844C04324D75}" type="datetimeFigureOut">
               <a:rPr lang="zh-CN" altLang="en-US" smtClean="0"/>
+              <a:t>2024/11/18</a:t>
             </a:fld>
             <a:endParaRPr lang="zh-CN" altLang="en-US"/>
           </a:p>
@@ -2523,6 +2492,7 @@
           <a:p>
             <a:fld id="{565CE74E-AB26-4998-AD42-012C4C1AD076}" type="slidenum">
               <a:rPr lang="zh-CN" altLang="en-US" smtClean="0"/>
+              <a:t>‹#›</a:t>
             </a:fld>
             <a:endParaRPr lang="zh-CN" altLang="en-US"/>
           </a:p>
@@ -2578,10 +2548,9 @@
           </a:lstStyle>
           <a:p>
             <a:r>
-              <a:rPr lang="zh-CN" altLang="en-US" smtClean="0"/>
+              <a:rPr lang="zh-CN" altLang="en-US"/>
               <a:t>单击此处编辑母版标题样式</a:t>
             </a:r>
-            <a:endParaRPr lang="zh-CN" altLang="en-US"/>
           </a:p>
         </p:txBody>
       </p:sp>
@@ -2705,10 +2674,9 @@
           <a:p>
             <a:pPr lvl="0"/>
             <a:r>
-              <a:rPr lang="zh-CN" altLang="en-US" smtClean="0"/>
+              <a:rPr lang="zh-CN" altLang="en-US"/>
               <a:t>单击此处编辑母版文本样式</a:t>
             </a:r>
-            <a:endParaRPr lang="zh-CN" altLang="en-US" smtClean="0"/>
           </a:p>
         </p:txBody>
       </p:sp>
@@ -2729,6 +2697,7 @@
           <a:p>
             <a:fld id="{D997B5FA-0921-464F-AAE1-844C04324D75}" type="datetimeFigureOut">
               <a:rPr lang="zh-CN" altLang="en-US" smtClean="0"/>
+              <a:t>2024/11/18</a:t>
             </a:fld>
             <a:endParaRPr lang="zh-CN" altLang="en-US"/>
           </a:p>
@@ -2770,6 +2739,7 @@
           <a:p>
             <a:fld id="{565CE74E-AB26-4998-AD42-012C4C1AD076}" type="slidenum">
               <a:rPr lang="zh-CN" altLang="en-US" smtClean="0"/>
+              <a:t>‹#›</a:t>
             </a:fld>
             <a:endParaRPr lang="zh-CN" altLang="en-US"/>
           </a:p>
@@ -2831,10 +2801,9 @@
           <a:lstStyle/>
           <a:p>
             <a:r>
-              <a:rPr lang="zh-CN" altLang="en-US" smtClean="0"/>
+              <a:rPr lang="zh-CN" altLang="en-US"/>
               <a:t>单击此处编辑母版标题样式</a:t>
             </a:r>
-            <a:endParaRPr lang="zh-CN" altLang="en-US"/>
           </a:p>
         </p:txBody>
       </p:sp>
@@ -2865,42 +2834,37 @@
           <a:p>
             <a:pPr lvl="0"/>
             <a:r>
-              <a:rPr lang="zh-CN" altLang="en-US" smtClean="0"/>
+              <a:rPr lang="zh-CN" altLang="en-US"/>
               <a:t>单击此处编辑母版文本样式</a:t>
             </a:r>
-            <a:endParaRPr lang="zh-CN" altLang="en-US" smtClean="0"/>
           </a:p>
           <a:p>
             <a:pPr lvl="1"/>
             <a:r>
-              <a:rPr lang="zh-CN" altLang="en-US" smtClean="0"/>
+              <a:rPr lang="zh-CN" altLang="en-US"/>
               <a:t>第二级</a:t>
             </a:r>
-            <a:endParaRPr lang="zh-CN" altLang="en-US" smtClean="0"/>
           </a:p>
           <a:p>
             <a:pPr lvl="2"/>
             <a:r>
-              <a:rPr lang="zh-CN" altLang="en-US" smtClean="0"/>
+              <a:rPr lang="zh-CN" altLang="en-US"/>
               <a:t>第三级</a:t>
             </a:r>
-            <a:endParaRPr lang="zh-CN" altLang="en-US" smtClean="0"/>
           </a:p>
           <a:p>
             <a:pPr lvl="3"/>
             <a:r>
-              <a:rPr lang="zh-CN" altLang="en-US" smtClean="0"/>
+              <a:rPr lang="zh-CN" altLang="en-US"/>
               <a:t>第四级</a:t>
             </a:r>
-            <a:endParaRPr lang="zh-CN" altLang="en-US" smtClean="0"/>
           </a:p>
           <a:p>
             <a:pPr lvl="4"/>
             <a:r>
-              <a:rPr lang="zh-CN" altLang="en-US" smtClean="0"/>
+              <a:rPr lang="zh-CN" altLang="en-US"/>
               <a:t>第五级</a:t>
             </a:r>
-            <a:endParaRPr lang="zh-CN" altLang="en-US"/>
           </a:p>
         </p:txBody>
       </p:sp>
@@ -2939,6 +2903,7 @@
           <a:p>
             <a:fld id="{D997B5FA-0921-464F-AAE1-844C04324D75}" type="datetimeFigureOut">
               <a:rPr lang="zh-CN" altLang="en-US" smtClean="0"/>
+              <a:t>2024/11/18</a:t>
             </a:fld>
             <a:endParaRPr lang="zh-CN" altLang="en-US"/>
           </a:p>
@@ -3016,6 +2981,7 @@
           <a:p>
             <a:fld id="{565CE74E-AB26-4998-AD42-012C4C1AD076}" type="slidenum">
               <a:rPr lang="zh-CN" altLang="en-US" smtClean="0"/>
+              <a:t>‹#›</a:t>
             </a:fld>
             <a:endParaRPr lang="zh-CN" altLang="en-US"/>
           </a:p>
@@ -3329,7 +3295,14 @@
         <p:cNvGrpSpPr/>
         <p:nvPr/>
       </p:nvGrpSpPr>
-      <p:grpSpPr/>
+      <p:grpSpPr>
+        <a:xfrm>
+          <a:off x="0" y="0"/>
+          <a:ext cx="0" cy="0"/>
+          <a:chOff x="0" y="0"/>
+          <a:chExt cx="0" cy="0"/>
+        </a:xfrm>
+      </p:grpSpPr>
       <p:pic>
         <p:nvPicPr>
           <p:cNvPr id="7" name="图片 6"/>
@@ -3339,7 +3312,7 @@
           <p:nvPr/>
         </p:nvPicPr>
         <p:blipFill>
-          <a:blip r:embed="rId1">
+          <a:blip r:embed="rId2">
             <a:extLst>
               <a:ext uri="{28A0092B-C50C-407E-A947-70E740481C1C}">
                 <a14:useLocalDpi xmlns:a14="http://schemas.microsoft.com/office/drawing/2010/main" val="0"/>
@@ -3380,25 +3353,15 @@
           <a:bodyPr wrap="square" rtlCol="0">
             <a:spAutoFit/>
           </a:bodyPr>
+          <a:lstStyle/>
           <a:p>
             <a:r>
               <a:rPr lang="zh-CN" altLang="en-US" b="1" dirty="0">
                 <a:latin typeface="Times New Roman" panose="02020603050405020304" pitchFamily="18" charset="0"/>
                 <a:cs typeface="Times New Roman" panose="02020603050405020304" pitchFamily="18" charset="0"/>
               </a:rPr>
-              <a:t>理想</a:t>
-            </a:r>
-            <a:r>
-              <a:rPr lang="zh-CN" altLang="en-US" b="1" dirty="0">
-                <a:latin typeface="Times New Roman" panose="02020603050405020304" pitchFamily="18" charset="0"/>
-                <a:cs typeface="Times New Roman" panose="02020603050405020304" pitchFamily="18" charset="0"/>
-              </a:rPr>
-              <a:t>格</a:t>
-            </a:r>
-            <a:endParaRPr lang="zh-CN" altLang="en-US" b="1" dirty="0">
-              <a:latin typeface="Times New Roman" panose="02020603050405020304" pitchFamily="18" charset="0"/>
-              <a:cs typeface="Times New Roman" panose="02020603050405020304" pitchFamily="18" charset="0"/>
-            </a:endParaRPr>
+              <a:t>理想格</a:t>
+            </a:r>
           </a:p>
         </p:txBody>
       </p:sp>
@@ -3411,7 +3374,7 @@
           <p:nvPr/>
         </p:nvPicPr>
         <p:blipFill>
-          <a:blip r:embed="rId2"/>
+          <a:blip r:embed="rId3"/>
           <a:stretch>
             <a:fillRect/>
           </a:stretch>
@@ -3446,6 +3409,7 @@
           <a:bodyPr wrap="square" rtlCol="0">
             <a:spAutoFit/>
           </a:bodyPr>
+          <a:lstStyle/>
           <a:p>
             <a:pPr algn="ctr"/>
             <a:r>
@@ -3460,22 +3424,396 @@
                 <a:latin typeface="Times New Roman" panose="02020603050405020304" pitchFamily="18" charset="0"/>
                 <a:cs typeface="Times New Roman" panose="02020603050405020304" pitchFamily="18" charset="0"/>
               </a:rPr>
-              <a:t>全同态加密的</a:t>
-            </a:r>
-            <a:r>
-              <a:rPr lang="zh-CN" altLang="en-US" b="1" dirty="0">
-                <a:latin typeface="Times New Roman" panose="02020603050405020304" pitchFamily="18" charset="0"/>
-                <a:cs typeface="Times New Roman" panose="02020603050405020304" pitchFamily="18" charset="0"/>
+              <a:t>全同态加密的一般结构</a:t>
+            </a:r>
+          </a:p>
+        </p:txBody>
+      </p:sp>
+      <p:sp>
+        <p:nvSpPr>
+          <p:cNvPr id="5" name="文本框 4">
+            <a:extLst>
+              <a:ext uri="{FF2B5EF4-FFF2-40B4-BE49-F238E27FC236}">
+                <a16:creationId xmlns:a16="http://schemas.microsoft.com/office/drawing/2014/main" id="{FA17B392-F9B0-4A99-A1CD-D2B3B1EC7954}"/>
+              </a:ext>
+            </a:extLst>
+          </p:cNvPr>
+          <p:cNvSpPr txBox="1"/>
+          <p:nvPr/>
+        </p:nvSpPr>
+        <p:spPr>
+          <a:xfrm>
+            <a:off x="568569" y="1563988"/>
+            <a:ext cx="5158155" cy="4524315"/>
+          </a:xfrm>
+          <a:prstGeom prst="rect">
+            <a:avLst/>
+          </a:prstGeom>
+          <a:noFill/>
+        </p:spPr>
+        <p:txBody>
+          <a:bodyPr wrap="square" rtlCol="0">
+            <a:spAutoFit/>
+          </a:bodyPr>
+          <a:lstStyle/>
+          <a:p>
+            <a:r>
+              <a:rPr lang="zh-CN" altLang="en-US" b="0" i="0" dirty="0">
+                <a:solidFill>
+                  <a:srgbClr val="05073B"/>
+                </a:solidFill>
+                <a:effectLst/>
+                <a:latin typeface="-apple-system"/>
               </a:rPr>
-              <a:t>一般结构</a:t>
-            </a:r>
-            <a:endParaRPr lang="zh-CN" altLang="en-US" b="1" dirty="0">
-              <a:latin typeface="Times New Roman" panose="02020603050405020304" pitchFamily="18" charset="0"/>
-              <a:cs typeface="Times New Roman" panose="02020603050405020304" pitchFamily="18" charset="0"/>
+              <a:t>格与格基：</a:t>
+            </a:r>
+            <a:r>
+              <a:rPr lang="zh-CN" altLang="en-US" b="0" i="0" dirty="0">
+                <a:solidFill>
+                  <a:srgbClr val="191B1F"/>
+                </a:solidFill>
+                <a:effectLst/>
+                <a:latin typeface="-apple-system"/>
+              </a:rPr>
+              <a:t>可以被想象成是一个空间中很多有规律分布的、离散的点（</a:t>
+            </a:r>
+            <a:r>
+              <a:rPr lang="zh-CN" altLang="en-US" b="0" i="0" dirty="0">
+                <a:solidFill>
+                  <a:srgbClr val="05073B"/>
+                </a:solidFill>
+                <a:effectLst/>
+                <a:latin typeface="-apple-system"/>
+              </a:rPr>
+              <a:t>离散的线性空间）。</a:t>
+            </a:r>
+            <a:endParaRPr lang="en-US" altLang="zh-CN" b="0" i="0" dirty="0">
+              <a:solidFill>
+                <a:srgbClr val="05073B"/>
+              </a:solidFill>
+              <a:effectLst/>
+              <a:latin typeface="-apple-system"/>
             </a:endParaRPr>
           </a:p>
-        </p:txBody>
-      </p:sp>
+          <a:p>
+            <a:endParaRPr lang="en-US" altLang="zh-CN" b="0" i="0" dirty="0">
+              <a:solidFill>
+                <a:srgbClr val="05073B"/>
+              </a:solidFill>
+              <a:effectLst/>
+              <a:latin typeface="-apple-system"/>
+            </a:endParaRPr>
+          </a:p>
+          <a:p>
+            <a:endParaRPr lang="en-US" altLang="zh-CN" b="0" i="0" dirty="0">
+              <a:solidFill>
+                <a:srgbClr val="05073B"/>
+              </a:solidFill>
+              <a:effectLst/>
+              <a:latin typeface="-apple-system"/>
+            </a:endParaRPr>
+          </a:p>
+          <a:p>
+            <a:endParaRPr lang="en-US" altLang="zh-CN" dirty="0">
+              <a:solidFill>
+                <a:srgbClr val="05073B"/>
+              </a:solidFill>
+              <a:latin typeface="-apple-system"/>
+            </a:endParaRPr>
+          </a:p>
+          <a:p>
+            <a:endParaRPr lang="en-US" altLang="zh-CN" b="0" i="0" dirty="0">
+              <a:solidFill>
+                <a:srgbClr val="05073B"/>
+              </a:solidFill>
+              <a:effectLst/>
+              <a:latin typeface="-apple-system"/>
+            </a:endParaRPr>
+          </a:p>
+          <a:p>
+            <a:endParaRPr lang="en-US" altLang="zh-CN" dirty="0">
+              <a:solidFill>
+                <a:srgbClr val="05073B"/>
+              </a:solidFill>
+              <a:latin typeface="-apple-system"/>
+            </a:endParaRPr>
+          </a:p>
+          <a:p>
+            <a:endParaRPr lang="en-US" altLang="zh-CN" b="0" i="0" dirty="0">
+              <a:solidFill>
+                <a:srgbClr val="05073B"/>
+              </a:solidFill>
+              <a:effectLst/>
+              <a:latin typeface="-apple-system"/>
+            </a:endParaRPr>
+          </a:p>
+          <a:p>
+            <a:endParaRPr lang="en-US" altLang="zh-CN" dirty="0">
+              <a:solidFill>
+                <a:srgbClr val="05073B"/>
+              </a:solidFill>
+              <a:latin typeface="-apple-system"/>
+            </a:endParaRPr>
+          </a:p>
+          <a:p>
+            <a:endParaRPr lang="en-US" altLang="zh-CN" b="0" i="0" dirty="0">
+              <a:solidFill>
+                <a:srgbClr val="05073B"/>
+              </a:solidFill>
+              <a:effectLst/>
+              <a:latin typeface="-apple-system"/>
+            </a:endParaRPr>
+          </a:p>
+          <a:p>
+            <a:endParaRPr lang="en-US" altLang="zh-CN" dirty="0">
+              <a:solidFill>
+                <a:srgbClr val="05073B"/>
+              </a:solidFill>
+              <a:latin typeface="-apple-system"/>
+            </a:endParaRPr>
+          </a:p>
+          <a:p>
+            <a:endParaRPr lang="en-US" altLang="zh-CN" b="0" i="0" dirty="0">
+              <a:solidFill>
+                <a:srgbClr val="05073B"/>
+              </a:solidFill>
+              <a:effectLst/>
+              <a:latin typeface="-apple-system"/>
+            </a:endParaRPr>
+          </a:p>
+          <a:p>
+            <a:endParaRPr lang="en-US" altLang="zh-CN" dirty="0">
+              <a:solidFill>
+                <a:srgbClr val="05073B"/>
+              </a:solidFill>
+              <a:latin typeface="-apple-system"/>
+            </a:endParaRPr>
+          </a:p>
+          <a:p>
+            <a:r>
+              <a:rPr lang="zh-CN" altLang="en-US" b="0" i="0" dirty="0">
+                <a:solidFill>
+                  <a:srgbClr val="05073B"/>
+                </a:solidFill>
+                <a:effectLst/>
+                <a:latin typeface="-apple-system"/>
+              </a:rPr>
+              <a:t>理想：设</a:t>
+            </a:r>
+            <a:r>
+              <a:rPr lang="en-US" altLang="zh-CN" b="0" i="0" dirty="0">
+                <a:solidFill>
+                  <a:srgbClr val="05073B"/>
+                </a:solidFill>
+                <a:effectLst/>
+                <a:latin typeface="-apple-system"/>
+              </a:rPr>
+              <a:t>R</a:t>
+            </a:r>
+            <a:r>
+              <a:rPr lang="zh-CN" altLang="en-US" b="0" i="0" dirty="0">
+                <a:solidFill>
+                  <a:srgbClr val="05073B"/>
+                </a:solidFill>
+                <a:effectLst/>
+                <a:latin typeface="-apple-system"/>
+              </a:rPr>
+              <a:t>是环，</a:t>
+            </a:r>
+            <a:r>
+              <a:rPr lang="en-US" altLang="zh-CN" b="0" i="0" dirty="0">
+                <a:solidFill>
+                  <a:srgbClr val="05073B"/>
+                </a:solidFill>
+                <a:effectLst/>
+                <a:latin typeface="-apple-system"/>
+              </a:rPr>
+              <a:t>I</a:t>
+            </a:r>
+            <a:r>
+              <a:rPr lang="zh-CN" altLang="en-US" b="0" i="0" dirty="0">
+                <a:solidFill>
+                  <a:srgbClr val="05073B"/>
+                </a:solidFill>
+                <a:effectLst/>
+                <a:latin typeface="-apple-system"/>
+              </a:rPr>
+              <a:t>是</a:t>
+            </a:r>
+            <a:r>
+              <a:rPr lang="en-US" altLang="zh-CN" b="0" i="0" dirty="0">
+                <a:solidFill>
+                  <a:srgbClr val="05073B"/>
+                </a:solidFill>
+                <a:effectLst/>
+                <a:latin typeface="-apple-system"/>
+              </a:rPr>
+              <a:t>R</a:t>
+            </a:r>
+            <a:r>
+              <a:rPr lang="zh-CN" altLang="en-US" b="0" i="0" dirty="0">
+                <a:solidFill>
+                  <a:srgbClr val="05073B"/>
+                </a:solidFill>
+                <a:effectLst/>
+                <a:latin typeface="-apple-system"/>
+              </a:rPr>
+              <a:t>的子环，如果对于∀</a:t>
+            </a:r>
+            <a:r>
+              <a:rPr lang="en-US" altLang="zh-CN" b="0" i="0" dirty="0" err="1">
+                <a:solidFill>
+                  <a:srgbClr val="05073B"/>
+                </a:solidFill>
+                <a:effectLst/>
+                <a:latin typeface="-apple-system"/>
+              </a:rPr>
+              <a:t>i∈I</a:t>
+            </a:r>
+            <a:r>
+              <a:rPr lang="zh-CN" altLang="en-US" b="0" i="0" dirty="0">
+                <a:solidFill>
+                  <a:srgbClr val="05073B"/>
+                </a:solidFill>
+                <a:effectLst/>
+                <a:latin typeface="-apple-system"/>
+              </a:rPr>
+              <a:t>，∀</a:t>
+            </a:r>
+            <a:r>
+              <a:rPr lang="en-US" altLang="zh-CN" b="0" i="0" dirty="0" err="1">
+                <a:solidFill>
+                  <a:srgbClr val="05073B"/>
+                </a:solidFill>
+                <a:effectLst/>
+                <a:latin typeface="-apple-system"/>
+              </a:rPr>
+              <a:t>r∈R</a:t>
+            </a:r>
+            <a:r>
+              <a:rPr lang="zh-CN" altLang="en-US" b="0" i="0" dirty="0">
+                <a:solidFill>
+                  <a:srgbClr val="05073B"/>
+                </a:solidFill>
+                <a:effectLst/>
+                <a:latin typeface="-apple-system"/>
+              </a:rPr>
+              <a:t>，有</a:t>
+            </a:r>
+            <a:r>
+              <a:rPr lang="en-US" altLang="zh-CN" b="0" i="0" dirty="0" err="1">
+                <a:solidFill>
+                  <a:srgbClr val="05073B"/>
+                </a:solidFill>
+                <a:effectLst/>
+                <a:latin typeface="-apple-system"/>
+              </a:rPr>
+              <a:t>ir</a:t>
+            </a:r>
+            <a:r>
+              <a:rPr lang="zh-CN" altLang="en-US" b="0" i="0" dirty="0">
+                <a:solidFill>
+                  <a:srgbClr val="05073B"/>
+                </a:solidFill>
+                <a:effectLst/>
+                <a:latin typeface="-apple-system"/>
+              </a:rPr>
+              <a:t>，</a:t>
+            </a:r>
+            <a:r>
+              <a:rPr lang="en-US" altLang="zh-CN" b="0" i="0" dirty="0" err="1">
+                <a:solidFill>
+                  <a:srgbClr val="05073B"/>
+                </a:solidFill>
+                <a:effectLst/>
+                <a:latin typeface="-apple-system"/>
+              </a:rPr>
+              <a:t>ri∈I</a:t>
+            </a:r>
+            <a:r>
+              <a:rPr lang="zh-CN" altLang="en-US" b="0" i="0" dirty="0">
+                <a:solidFill>
+                  <a:srgbClr val="05073B"/>
+                </a:solidFill>
+                <a:effectLst/>
+                <a:latin typeface="-apple-system"/>
+              </a:rPr>
+              <a:t>成立，则称</a:t>
+            </a:r>
+            <a:r>
+              <a:rPr lang="en-US" altLang="zh-CN" b="0" i="0" dirty="0">
+                <a:solidFill>
+                  <a:srgbClr val="05073B"/>
+                </a:solidFill>
+                <a:effectLst/>
+                <a:latin typeface="-apple-system"/>
+              </a:rPr>
+              <a:t>I</a:t>
+            </a:r>
+            <a:r>
+              <a:rPr lang="zh-CN" altLang="en-US" b="0" i="0" dirty="0">
+                <a:solidFill>
+                  <a:srgbClr val="05073B"/>
+                </a:solidFill>
+                <a:effectLst/>
+                <a:latin typeface="-apple-system"/>
+              </a:rPr>
+              <a:t>是</a:t>
+            </a:r>
+            <a:r>
+              <a:rPr lang="en-US" altLang="zh-CN" b="0" i="0" dirty="0">
+                <a:solidFill>
+                  <a:srgbClr val="05073B"/>
+                </a:solidFill>
+                <a:effectLst/>
+                <a:latin typeface="-apple-system"/>
+              </a:rPr>
+              <a:t>R</a:t>
+            </a:r>
+            <a:r>
+              <a:rPr lang="zh-CN" altLang="en-US" b="0" i="0" dirty="0">
+                <a:solidFill>
+                  <a:srgbClr val="05073B"/>
+                </a:solidFill>
+                <a:effectLst/>
+                <a:latin typeface="-apple-system"/>
+              </a:rPr>
+              <a:t>的理想子环，简称理想。</a:t>
+            </a:r>
+            <a:endParaRPr lang="zh-CN" altLang="en-US" dirty="0"/>
+          </a:p>
+        </p:txBody>
+      </p:sp>
+      <p:pic>
+        <p:nvPicPr>
+          <p:cNvPr id="10" name="图片 9">
+            <a:extLst>
+              <a:ext uri="{FF2B5EF4-FFF2-40B4-BE49-F238E27FC236}">
+                <a16:creationId xmlns:a16="http://schemas.microsoft.com/office/drawing/2014/main" id="{1AB43AE2-D8BC-4D93-BCDF-5AF7795A5DC2}"/>
+              </a:ext>
+            </a:extLst>
+          </p:cNvPr>
+          <p:cNvPicPr>
+            <a:picLocks noChangeAspect="1"/>
+          </p:cNvPicPr>
+          <p:nvPr/>
+        </p:nvPicPr>
+        <p:blipFill>
+          <a:blip r:embed="rId4"/>
+          <a:stretch>
+            <a:fillRect/>
+          </a:stretch>
+        </p:blipFill>
+        <p:spPr>
+          <a:xfrm>
+            <a:off x="873002" y="2157779"/>
+            <a:ext cx="4924425" cy="2952750"/>
+          </a:xfrm>
+          <a:prstGeom prst="rect">
+            <a:avLst/>
+          </a:prstGeom>
+        </p:spPr>
+      </p:pic>
     </p:spTree>
   </p:cSld>
   <p:clrMapOvr>
@@ -3493,7 +3831,14 @@
         <p:cNvGrpSpPr/>
         <p:nvPr/>
       </p:nvGrpSpPr>
-      <p:grpSpPr/>
+      <p:grpSpPr>
+        <a:xfrm>
+          <a:off x="0" y="0"/>
+          <a:ext cx="0" cy="0"/>
+          <a:chOff x="0" y="0"/>
+          <a:chExt cx="0" cy="0"/>
+        </a:xfrm>
+      </p:grpSpPr>
       <p:pic>
         <p:nvPicPr>
           <p:cNvPr id="7" name="图片 6"/>
@@ -3503,7 +3848,7 @@
           <p:nvPr/>
         </p:nvPicPr>
         <p:blipFill>
-          <a:blip r:embed="rId1">
+          <a:blip r:embed="rId2">
             <a:extLst>
               <a:ext uri="{28A0092B-C50C-407E-A947-70E740481C1C}">
                 <a14:useLocalDpi xmlns:a14="http://schemas.microsoft.com/office/drawing/2010/main" val="0"/>
@@ -3544,6 +3889,7 @@
           <a:bodyPr wrap="square" rtlCol="0">
             <a:spAutoFit/>
           </a:bodyPr>
+          <a:lstStyle/>
           <a:p>
             <a:r>
               <a:rPr lang="en-US" altLang="zh-CN" b="1" dirty="0">
@@ -3552,10 +3898,6 @@
               </a:rPr>
               <a:t>BGV</a:t>
             </a:r>
-            <a:endParaRPr lang="en-US" altLang="zh-CN" b="1" dirty="0">
-              <a:latin typeface="Times New Roman" panose="02020603050405020304" pitchFamily="18" charset="0"/>
-              <a:cs typeface="Times New Roman" panose="02020603050405020304" pitchFamily="18" charset="0"/>
-            </a:endParaRPr>
           </a:p>
         </p:txBody>
       </p:sp>
@@ -3568,7 +3910,7 @@
           <p:nvPr/>
         </p:nvPicPr>
         <p:blipFill>
-          <a:blip r:embed="rId2"/>
+          <a:blip r:embed="rId3"/>
           <a:stretch>
             <a:fillRect/>
           </a:stretch>
@@ -3603,6 +3945,7 @@
           <a:bodyPr wrap="square" rtlCol="0">
             <a:spAutoFit/>
           </a:bodyPr>
+          <a:lstStyle/>
           <a:p>
             <a:pPr algn="ctr"/>
             <a:r>
@@ -3617,22 +3960,820 @@
                 <a:latin typeface="Times New Roman" panose="02020603050405020304" pitchFamily="18" charset="0"/>
                 <a:cs typeface="Times New Roman" panose="02020603050405020304" pitchFamily="18" charset="0"/>
               </a:rPr>
-              <a:t>全同态加密的</a:t>
+              <a:t>全同态加密的一般结构</a:t>
+            </a:r>
+          </a:p>
+        </p:txBody>
+      </p:sp>
+      <p:sp>
+        <p:nvSpPr>
+          <p:cNvPr id="6" name="文本框 5">
+            <a:extLst>
+              <a:ext uri="{FF2B5EF4-FFF2-40B4-BE49-F238E27FC236}">
+                <a16:creationId xmlns:a16="http://schemas.microsoft.com/office/drawing/2014/main" id="{E78A76F7-2044-49FB-8252-2B7B80B87CA3}"/>
+              </a:ext>
+            </a:extLst>
+          </p:cNvPr>
+          <p:cNvSpPr txBox="1"/>
+          <p:nvPr/>
+        </p:nvSpPr>
+        <p:spPr>
+          <a:xfrm>
+            <a:off x="7355205" y="1626870"/>
+            <a:ext cx="3437255" cy="368300"/>
+          </a:xfrm>
+          <a:prstGeom prst="rect">
+            <a:avLst/>
+          </a:prstGeom>
+          <a:noFill/>
+        </p:spPr>
+        <p:txBody>
+          <a:bodyPr wrap="square" rtlCol="0">
+            <a:spAutoFit/>
+          </a:bodyPr>
+          <a:lstStyle/>
+          <a:p>
+            <a:pPr algn="ctr"/>
+            <a:r>
+              <a:rPr lang="en-US" altLang="zh-CN" b="1" dirty="0">
+                <a:latin typeface="Times New Roman" panose="02020603050405020304" pitchFamily="18" charset="0"/>
+                <a:cs typeface="Times New Roman" panose="02020603050405020304" pitchFamily="18" charset="0"/>
+              </a:rPr>
+              <a:t>BGV</a:t>
             </a:r>
             <a:r>
               <a:rPr lang="zh-CN" altLang="en-US" b="1" dirty="0">
                 <a:latin typeface="Times New Roman" panose="02020603050405020304" pitchFamily="18" charset="0"/>
                 <a:cs typeface="Times New Roman" panose="02020603050405020304" pitchFamily="18" charset="0"/>
               </a:rPr>
-              <a:t>一般结构</a:t>
-            </a:r>
-            <a:endParaRPr lang="zh-CN" altLang="en-US" b="1" dirty="0">
-              <a:latin typeface="Times New Roman" panose="02020603050405020304" pitchFamily="18" charset="0"/>
-              <a:cs typeface="Times New Roman" panose="02020603050405020304" pitchFamily="18" charset="0"/>
-            </a:endParaRPr>
-          </a:p>
-        </p:txBody>
-      </p:sp>
+              <a:t>正确性和同态性</a:t>
+            </a:r>
+          </a:p>
+        </p:txBody>
+      </p:sp>
+      <p:pic>
+        <p:nvPicPr>
+          <p:cNvPr id="8" name="图片 7">
+            <a:extLst>
+              <a:ext uri="{FF2B5EF4-FFF2-40B4-BE49-F238E27FC236}">
+                <a16:creationId xmlns:a16="http://schemas.microsoft.com/office/drawing/2014/main" id="{8B6CDB86-128B-4CB6-AA93-E603651AFB8B}"/>
+              </a:ext>
+            </a:extLst>
+          </p:cNvPr>
+          <p:cNvPicPr>
+            <a:picLocks noChangeAspect="1"/>
+          </p:cNvPicPr>
+          <p:nvPr/>
+        </p:nvPicPr>
+        <p:blipFill>
+          <a:blip r:embed="rId4"/>
+          <a:stretch>
+            <a:fillRect/>
+          </a:stretch>
+        </p:blipFill>
+        <p:spPr>
+          <a:xfrm>
+            <a:off x="6403780" y="2577555"/>
+            <a:ext cx="5573590" cy="438311"/>
+          </a:xfrm>
+          <a:prstGeom prst="rect">
+            <a:avLst/>
+          </a:prstGeom>
+        </p:spPr>
+      </p:pic>
+      <p:sp>
+        <p:nvSpPr>
+          <p:cNvPr id="9" name="文本框 8">
+            <a:extLst>
+              <a:ext uri="{FF2B5EF4-FFF2-40B4-BE49-F238E27FC236}">
+                <a16:creationId xmlns:a16="http://schemas.microsoft.com/office/drawing/2014/main" id="{C7ED119F-C285-433C-B970-BBFA2EC724CB}"/>
+              </a:ext>
+            </a:extLst>
+          </p:cNvPr>
+          <p:cNvSpPr txBox="1"/>
+          <p:nvPr/>
+        </p:nvSpPr>
+        <p:spPr>
+          <a:xfrm>
+            <a:off x="6403780" y="2203393"/>
+            <a:ext cx="1717431" cy="369332"/>
+          </a:xfrm>
+          <a:prstGeom prst="rect">
+            <a:avLst/>
+          </a:prstGeom>
+          <a:noFill/>
+        </p:spPr>
+        <p:txBody>
+          <a:bodyPr wrap="square" rtlCol="0">
+            <a:spAutoFit/>
+          </a:bodyPr>
+          <a:lstStyle/>
+          <a:p>
+            <a:r>
+              <a:rPr lang="zh-CN" altLang="en-US" dirty="0"/>
+              <a:t>解密正确性</a:t>
+            </a:r>
+          </a:p>
+        </p:txBody>
+      </p:sp>
+      <mc:AlternateContent xmlns:mc="http://schemas.openxmlformats.org/markup-compatibility/2006" xmlns:a14="http://schemas.microsoft.com/office/drawing/2010/main">
+        <mc:Choice Requires="a14">
+          <p:sp>
+            <p:nvSpPr>
+              <p:cNvPr id="10" name="文本框 9">
+                <a:extLst>
+                  <a:ext uri="{FF2B5EF4-FFF2-40B4-BE49-F238E27FC236}">
+                    <a16:creationId xmlns:a16="http://schemas.microsoft.com/office/drawing/2014/main" id="{D5F3C1F8-37D4-4CFC-A244-8C54BCCB4B3F}"/>
+                  </a:ext>
+                </a:extLst>
+              </p:cNvPr>
+              <p:cNvSpPr txBox="1"/>
+              <p:nvPr/>
+            </p:nvSpPr>
+            <p:spPr>
+              <a:xfrm>
+                <a:off x="6403780" y="3545199"/>
+                <a:ext cx="5788220" cy="1266501"/>
+              </a:xfrm>
+              <a:prstGeom prst="rect">
+                <a:avLst/>
+              </a:prstGeom>
+              <a:noFill/>
+            </p:spPr>
+            <p:txBody>
+              <a:bodyPr wrap="square" rtlCol="0">
+                <a:spAutoFit/>
+              </a:bodyPr>
+              <a:lstStyle/>
+              <a:p>
+                <a:r>
+                  <a:rPr lang="zh-CN" altLang="en-US" dirty="0"/>
+                  <a:t>同态运算正确性</a:t>
+                </a:r>
+                <a:endParaRPr lang="en-US" altLang="zh-CN" dirty="0"/>
+              </a:p>
+              <a:p>
+                <a14:m>
+                  <m:oMath xmlns:m="http://schemas.openxmlformats.org/officeDocument/2006/math">
+                    <m:sSub>
+                      <m:sSubPr>
+                        <m:ctrlPr>
+                          <a:rPr lang="en-US" altLang="zh-CN" b="0" i="1" smtClean="0">
+                            <a:latin typeface="Cambria Math" panose="02040503050406030204" pitchFamily="18" charset="0"/>
+                          </a:rPr>
+                        </m:ctrlPr>
+                      </m:sSubPr>
+                      <m:e>
+                        <m:d>
+                          <m:dPr>
+                            <m:begChr m:val="["/>
+                            <m:endChr m:val="]"/>
+                            <m:ctrlPr>
+                              <a:rPr lang="en-US" altLang="zh-CN" b="0" i="1" smtClean="0">
+                                <a:latin typeface="Cambria Math" panose="02040503050406030204" pitchFamily="18" charset="0"/>
+                              </a:rPr>
+                            </m:ctrlPr>
+                          </m:dPr>
+                          <m:e>
+                            <m:sSub>
+                              <m:sSubPr>
+                                <m:ctrlPr>
+                                  <a:rPr lang="en-US" altLang="zh-CN" i="1">
+                                    <a:latin typeface="Cambria Math" panose="02040503050406030204" pitchFamily="18" charset="0"/>
+                                    <a:ea typeface="宋体" panose="02010600030101010101" pitchFamily="2" charset="-122"/>
+                                    <a:cs typeface="Cambria Math" panose="02040503050406030204" charset="0"/>
+                                  </a:rPr>
+                                </m:ctrlPr>
+                              </m:sSubPr>
+                              <m:e>
+                                <m:d>
+                                  <m:dPr>
+                                    <m:begChr m:val="["/>
+                                    <m:endChr m:val="]"/>
+                                    <m:ctrlPr>
+                                      <a:rPr lang="en-US" altLang="zh-CN" i="1">
+                                        <a:latin typeface="Cambria Math" panose="02040503050406030204" pitchFamily="18" charset="0"/>
+                                        <a:ea typeface="宋体" panose="02010600030101010101" pitchFamily="2" charset="-122"/>
+                                        <a:cs typeface="Cambria Math" panose="02040503050406030204" charset="0"/>
+                                      </a:rPr>
+                                    </m:ctrlPr>
+                                  </m:dPr>
+                                  <m:e>
+                                    <m:d>
+                                      <m:dPr>
+                                        <m:begChr m:val="〈"/>
+                                        <m:endChr m:val="〉"/>
+                                        <m:ctrlPr>
+                                          <a:rPr lang="en-US" altLang="zh-CN" i="1">
+                                            <a:latin typeface="Cambria Math" panose="02040503050406030204" pitchFamily="18" charset="0"/>
+                                            <a:ea typeface="宋体" panose="02010600030101010101" pitchFamily="2" charset="-122"/>
+                                            <a:cs typeface="Cambria Math" panose="02040503050406030204" charset="0"/>
+                                          </a:rPr>
+                                        </m:ctrlPr>
+                                      </m:dPr>
+                                      <m:e>
+                                        <m:sSub>
+                                          <m:sSubPr>
+                                            <m:ctrlPr>
+                                              <a:rPr lang="en-US" altLang="zh-CN" i="1" smtClean="0">
+                                                <a:latin typeface="Cambria Math" panose="02040503050406030204" pitchFamily="18" charset="0"/>
+                                                <a:ea typeface="宋体" panose="02010600030101010101" pitchFamily="2" charset="-122"/>
+                                              </a:rPr>
+                                            </m:ctrlPr>
+                                          </m:sSubPr>
+                                          <m:e>
+                                            <m:r>
+                                              <a:rPr lang="en-US" altLang="zh-CN" b="0" i="1" smtClean="0">
+                                                <a:latin typeface="Cambria Math" panose="02040503050406030204" pitchFamily="18" charset="0"/>
+                                                <a:ea typeface="宋体" panose="02010600030101010101" pitchFamily="2" charset="-122"/>
+                                              </a:rPr>
+                                              <m:t>𝑐</m:t>
+                                            </m:r>
+                                          </m:e>
+                                          <m:sub>
+                                            <m:r>
+                                              <a:rPr lang="en-US" altLang="zh-CN" b="0" i="1" smtClean="0">
+                                                <a:latin typeface="Cambria Math" panose="02040503050406030204" pitchFamily="18" charset="0"/>
+                                                <a:ea typeface="宋体" panose="02010600030101010101" pitchFamily="2" charset="-122"/>
+                                              </a:rPr>
+                                              <m:t>1</m:t>
+                                            </m:r>
+                                          </m:sub>
+                                        </m:sSub>
+                                        <m:r>
+                                          <a:rPr lang="en-US" altLang="zh-CN" b="0" i="1" smtClean="0">
+                                            <a:latin typeface="Cambria Math" panose="02040503050406030204" pitchFamily="18" charset="0"/>
+                                            <a:ea typeface="宋体" panose="02010600030101010101" pitchFamily="2" charset="-122"/>
+                                          </a:rPr>
+                                          <m:t>+</m:t>
+                                        </m:r>
+                                        <m:sSub>
+                                          <m:sSubPr>
+                                            <m:ctrlPr>
+                                              <a:rPr lang="en-US" altLang="zh-CN" i="1">
+                                                <a:latin typeface="Cambria Math" panose="02040503050406030204" pitchFamily="18" charset="0"/>
+                                                <a:ea typeface="宋体" panose="02010600030101010101" pitchFamily="2" charset="-122"/>
+                                              </a:rPr>
+                                            </m:ctrlPr>
+                                          </m:sSubPr>
+                                          <m:e>
+                                            <m:r>
+                                              <a:rPr lang="en-US" altLang="zh-CN" i="1">
+                                                <a:latin typeface="Cambria Math" panose="02040503050406030204" pitchFamily="18" charset="0"/>
+                                                <a:ea typeface="宋体" panose="02010600030101010101" pitchFamily="2" charset="-122"/>
+                                              </a:rPr>
+                                              <m:t>𝑐</m:t>
+                                            </m:r>
+                                          </m:e>
+                                          <m:sub>
+                                            <m:r>
+                                              <a:rPr lang="en-US" altLang="zh-CN" b="0" i="1" smtClean="0">
+                                                <a:latin typeface="Cambria Math" panose="02040503050406030204" pitchFamily="18" charset="0"/>
+                                                <a:ea typeface="宋体" panose="02010600030101010101" pitchFamily="2" charset="-122"/>
+                                              </a:rPr>
+                                              <m:t>2</m:t>
+                                            </m:r>
+                                          </m:sub>
+                                        </m:sSub>
+                                        <m:r>
+                                          <a:rPr lang="en-US" altLang="zh-CN" i="1">
+                                            <a:latin typeface="Cambria Math" panose="02040503050406030204" charset="0"/>
+                                            <a:ea typeface="宋体" panose="02010600030101010101" pitchFamily="2" charset="-122"/>
+                                            <a:cs typeface="Cambria Math" panose="02040503050406030204" charset="0"/>
+                                          </a:rPr>
+                                          <m:t>,</m:t>
+                                        </m:r>
+                                        <m:r>
+                                          <a:rPr lang="en-US" altLang="zh-CN" i="1">
+                                            <a:latin typeface="Cambria Math" panose="02040503050406030204" charset="0"/>
+                                            <a:ea typeface="宋体" panose="02010600030101010101" pitchFamily="2" charset="-122"/>
+                                            <a:cs typeface="Cambria Math" panose="02040503050406030204" charset="0"/>
+                                          </a:rPr>
+                                          <m:t>𝑠</m:t>
+                                        </m:r>
+                                      </m:e>
+                                    </m:d>
+                                  </m:e>
+                                </m:d>
+                              </m:e>
+                              <m:sub>
+                                <m:r>
+                                  <a:rPr lang="en-US" altLang="zh-CN" i="1">
+                                    <a:latin typeface="Cambria Math" panose="02040503050406030204" charset="0"/>
+                                    <a:ea typeface="宋体" panose="02010600030101010101" pitchFamily="2" charset="-122"/>
+                                    <a:cs typeface="Cambria Math" panose="02040503050406030204" charset="0"/>
+                                  </a:rPr>
+                                  <m:t>𝑞</m:t>
+                                </m:r>
+                              </m:sub>
+                            </m:sSub>
+                          </m:e>
+                        </m:d>
+                      </m:e>
+                      <m:sub>
+                        <m:r>
+                          <a:rPr lang="en-US" altLang="zh-CN" b="0" i="1" smtClean="0">
+                            <a:latin typeface="Cambria Math" panose="02040503050406030204" pitchFamily="18" charset="0"/>
+                          </a:rPr>
+                          <m:t>2</m:t>
+                        </m:r>
+                      </m:sub>
+                    </m:sSub>
+                    <m:r>
+                      <a:rPr lang="en-US" altLang="zh-CN" b="0" i="1" smtClean="0">
+                        <a:latin typeface="Cambria Math" panose="02040503050406030204" pitchFamily="18" charset="0"/>
+                      </a:rPr>
+                      <m:t>=</m:t>
+                    </m:r>
+                    <m:sSub>
+                      <m:sSubPr>
+                        <m:ctrlPr>
+                          <a:rPr lang="en-US" altLang="zh-CN" i="1">
+                            <a:latin typeface="Cambria Math" panose="02040503050406030204" pitchFamily="18" charset="0"/>
+                          </a:rPr>
+                        </m:ctrlPr>
+                      </m:sSubPr>
+                      <m:e>
+                        <m:d>
+                          <m:dPr>
+                            <m:begChr m:val="["/>
+                            <m:endChr m:val="]"/>
+                            <m:ctrlPr>
+                              <a:rPr lang="en-US" altLang="zh-CN" i="1">
+                                <a:latin typeface="Cambria Math" panose="02040503050406030204" pitchFamily="18" charset="0"/>
+                              </a:rPr>
+                            </m:ctrlPr>
+                          </m:dPr>
+                          <m:e>
+                            <m:sSub>
+                              <m:sSubPr>
+                                <m:ctrlPr>
+                                  <a:rPr lang="en-US" altLang="zh-CN" i="1" smtClean="0">
+                                    <a:latin typeface="Cambria Math" panose="02040503050406030204" pitchFamily="18" charset="0"/>
+                                  </a:rPr>
+                                </m:ctrlPr>
+                              </m:sSubPr>
+                              <m:e>
+                                <m:r>
+                                  <a:rPr lang="en-US" altLang="zh-CN" b="0" i="1" smtClean="0">
+                                    <a:latin typeface="Cambria Math" panose="02040503050406030204" pitchFamily="18" charset="0"/>
+                                  </a:rPr>
+                                  <m:t>𝑚</m:t>
+                                </m:r>
+                              </m:e>
+                              <m:sub>
+                                <m:r>
+                                  <a:rPr lang="en-US" altLang="zh-CN" b="0" i="1" smtClean="0">
+                                    <a:latin typeface="Cambria Math" panose="02040503050406030204" pitchFamily="18" charset="0"/>
+                                  </a:rPr>
+                                  <m:t>1</m:t>
+                                </m:r>
+                              </m:sub>
+                            </m:sSub>
+                            <m:r>
+                              <a:rPr lang="en-US" altLang="zh-CN" b="0" i="1" smtClean="0">
+                                <a:latin typeface="Cambria Math" panose="02040503050406030204" pitchFamily="18" charset="0"/>
+                              </a:rPr>
+                              <m:t>+</m:t>
+                            </m:r>
+                            <m:sSub>
+                              <m:sSubPr>
+                                <m:ctrlPr>
+                                  <a:rPr lang="en-US" altLang="zh-CN" i="1">
+                                    <a:latin typeface="Cambria Math" panose="02040503050406030204" pitchFamily="18" charset="0"/>
+                                  </a:rPr>
+                                </m:ctrlPr>
+                              </m:sSubPr>
+                              <m:e>
+                                <m:r>
+                                  <a:rPr lang="en-US" altLang="zh-CN" i="1">
+                                    <a:latin typeface="Cambria Math" panose="02040503050406030204" pitchFamily="18" charset="0"/>
+                                  </a:rPr>
+                                  <m:t>𝑚</m:t>
+                                </m:r>
+                              </m:e>
+                              <m:sub>
+                                <m:r>
+                                  <a:rPr lang="en-US" altLang="zh-CN" b="0" i="1" smtClean="0">
+                                    <a:latin typeface="Cambria Math" panose="02040503050406030204" pitchFamily="18" charset="0"/>
+                                  </a:rPr>
+                                  <m:t>2</m:t>
+                                </m:r>
+                              </m:sub>
+                            </m:sSub>
+                            <m:r>
+                              <a:rPr lang="en-US" altLang="zh-CN" b="0" i="1" smtClean="0">
+                                <a:latin typeface="Cambria Math" panose="02040503050406030204" pitchFamily="18" charset="0"/>
+                              </a:rPr>
+                              <m:t>+2</m:t>
+                            </m:r>
+                            <m:d>
+                              <m:dPr>
+                                <m:ctrlPr>
+                                  <a:rPr lang="en-US" altLang="zh-CN" b="0" i="1" smtClean="0">
+                                    <a:latin typeface="Cambria Math" panose="02040503050406030204" pitchFamily="18" charset="0"/>
+                                  </a:rPr>
+                                </m:ctrlPr>
+                              </m:dPr>
+                              <m:e>
+                                <m:sSubSup>
+                                  <m:sSubSupPr>
+                                    <m:ctrlPr>
+                                      <a:rPr lang="en-US" altLang="zh-CN" b="0" i="1" smtClean="0">
+                                        <a:latin typeface="Cambria Math" panose="02040503050406030204" pitchFamily="18" charset="0"/>
+                                      </a:rPr>
+                                    </m:ctrlPr>
+                                  </m:sSubSupPr>
+                                  <m:e>
+                                    <m:r>
+                                      <a:rPr lang="en-US" altLang="zh-CN" b="0" i="1" smtClean="0">
+                                        <a:latin typeface="Cambria Math" panose="02040503050406030204" pitchFamily="18" charset="0"/>
+                                      </a:rPr>
+                                      <m:t>𝑟</m:t>
+                                    </m:r>
+                                  </m:e>
+                                  <m:sub>
+                                    <m:r>
+                                      <a:rPr lang="en-US" altLang="zh-CN" b="0" i="1" smtClean="0">
+                                        <a:latin typeface="Cambria Math" panose="02040503050406030204" pitchFamily="18" charset="0"/>
+                                      </a:rPr>
+                                      <m:t>1</m:t>
+                                    </m:r>
+                                  </m:sub>
+                                  <m:sup>
+                                    <m:r>
+                                      <a:rPr lang="en-US" altLang="zh-CN" b="0" i="1" smtClean="0">
+                                        <a:latin typeface="Cambria Math" panose="02040503050406030204" pitchFamily="18" charset="0"/>
+                                      </a:rPr>
+                                      <m:t>𝑇</m:t>
+                                    </m:r>
+                                  </m:sup>
+                                </m:sSubSup>
+                                <m:r>
+                                  <a:rPr lang="en-US" altLang="zh-CN" b="0" i="1" smtClean="0">
+                                    <a:latin typeface="Cambria Math" panose="02040503050406030204" pitchFamily="18" charset="0"/>
+                                  </a:rPr>
+                                  <m:t>+</m:t>
+                                </m:r>
+                                <m:sSubSup>
+                                  <m:sSubSupPr>
+                                    <m:ctrlPr>
+                                      <a:rPr lang="en-US" altLang="zh-CN" i="1">
+                                        <a:latin typeface="Cambria Math" panose="02040503050406030204" pitchFamily="18" charset="0"/>
+                                      </a:rPr>
+                                    </m:ctrlPr>
+                                  </m:sSubSupPr>
+                                  <m:e>
+                                    <m:r>
+                                      <a:rPr lang="en-US" altLang="zh-CN" i="1">
+                                        <a:latin typeface="Cambria Math" panose="02040503050406030204" pitchFamily="18" charset="0"/>
+                                      </a:rPr>
+                                      <m:t>𝑟</m:t>
+                                    </m:r>
+                                  </m:e>
+                                  <m:sub>
+                                    <m:r>
+                                      <a:rPr lang="en-US" altLang="zh-CN" b="0" i="1" smtClean="0">
+                                        <a:latin typeface="Cambria Math" panose="02040503050406030204" pitchFamily="18" charset="0"/>
+                                      </a:rPr>
+                                      <m:t>2</m:t>
+                                    </m:r>
+                                  </m:sub>
+                                  <m:sup>
+                                    <m:r>
+                                      <a:rPr lang="en-US" altLang="zh-CN" i="1">
+                                        <a:latin typeface="Cambria Math" panose="02040503050406030204" pitchFamily="18" charset="0"/>
+                                      </a:rPr>
+                                      <m:t>𝑇</m:t>
+                                    </m:r>
+                                  </m:sup>
+                                </m:sSubSup>
+                              </m:e>
+                            </m:d>
+                            <m:r>
+                              <a:rPr lang="en-US" altLang="zh-CN" b="0" i="1" smtClean="0">
+                                <a:latin typeface="Cambria Math" panose="02040503050406030204" pitchFamily="18" charset="0"/>
+                              </a:rPr>
+                              <m:t>𝑒</m:t>
+                            </m:r>
+                          </m:e>
+                        </m:d>
+                      </m:e>
+                      <m:sub>
+                        <m:r>
+                          <a:rPr lang="en-US" altLang="zh-CN" i="1">
+                            <a:latin typeface="Cambria Math" panose="02040503050406030204" pitchFamily="18" charset="0"/>
+                          </a:rPr>
+                          <m:t>2</m:t>
+                        </m:r>
+                      </m:sub>
+                    </m:sSub>
+                  </m:oMath>
+                </a14:m>
+                <a:r>
+                  <a:rPr lang="en-US" altLang="zh-CN" dirty="0"/>
+                  <a:t>= </a:t>
+                </a:r>
+                <a14:m>
+                  <m:oMath xmlns:m="http://schemas.openxmlformats.org/officeDocument/2006/math">
+                    <m:sSub>
+                      <m:sSubPr>
+                        <m:ctrlPr>
+                          <a:rPr lang="en-US" altLang="zh-CN" i="1">
+                            <a:latin typeface="Cambria Math" panose="02040503050406030204" pitchFamily="18" charset="0"/>
+                          </a:rPr>
+                        </m:ctrlPr>
+                      </m:sSubPr>
+                      <m:e>
+                        <m:r>
+                          <a:rPr lang="en-US" altLang="zh-CN" i="1">
+                            <a:latin typeface="Cambria Math" panose="02040503050406030204" pitchFamily="18" charset="0"/>
+                          </a:rPr>
+                          <m:t>𝑚</m:t>
+                        </m:r>
+                      </m:e>
+                      <m:sub>
+                        <m:r>
+                          <a:rPr lang="en-US" altLang="zh-CN" i="1">
+                            <a:latin typeface="Cambria Math" panose="02040503050406030204" pitchFamily="18" charset="0"/>
+                          </a:rPr>
+                          <m:t>1</m:t>
+                        </m:r>
+                      </m:sub>
+                    </m:sSub>
+                    <m:r>
+                      <a:rPr lang="en-US" altLang="zh-CN" i="1">
+                        <a:latin typeface="Cambria Math" panose="02040503050406030204" pitchFamily="18" charset="0"/>
+                      </a:rPr>
+                      <m:t>+</m:t>
+                    </m:r>
+                    <m:sSub>
+                      <m:sSubPr>
+                        <m:ctrlPr>
+                          <a:rPr lang="en-US" altLang="zh-CN" i="1">
+                            <a:latin typeface="Cambria Math" panose="02040503050406030204" pitchFamily="18" charset="0"/>
+                          </a:rPr>
+                        </m:ctrlPr>
+                      </m:sSubPr>
+                      <m:e>
+                        <m:r>
+                          <a:rPr lang="en-US" altLang="zh-CN" i="1">
+                            <a:latin typeface="Cambria Math" panose="02040503050406030204" pitchFamily="18" charset="0"/>
+                          </a:rPr>
+                          <m:t>𝑚</m:t>
+                        </m:r>
+                      </m:e>
+                      <m:sub>
+                        <m:r>
+                          <a:rPr lang="en-US" altLang="zh-CN" i="1">
+                            <a:latin typeface="Cambria Math" panose="02040503050406030204" pitchFamily="18" charset="0"/>
+                          </a:rPr>
+                          <m:t>2</m:t>
+                        </m:r>
+                      </m:sub>
+                    </m:sSub>
+                  </m:oMath>
+                </a14:m>
+                <a:endParaRPr lang="en-US" altLang="zh-CN" dirty="0"/>
+              </a:p>
+              <a:p>
+                <a14:m>
+                  <m:oMath xmlns:m="http://schemas.openxmlformats.org/officeDocument/2006/math">
+                    <m:sSub>
+                      <m:sSubPr>
+                        <m:ctrlPr>
+                          <a:rPr lang="en-US" altLang="zh-CN" b="0" i="1" smtClean="0">
+                            <a:latin typeface="Cambria Math" panose="02040503050406030204" pitchFamily="18" charset="0"/>
+                          </a:rPr>
+                        </m:ctrlPr>
+                      </m:sSubPr>
+                      <m:e>
+                        <m:d>
+                          <m:dPr>
+                            <m:begChr m:val="["/>
+                            <m:endChr m:val="]"/>
+                            <m:ctrlPr>
+                              <a:rPr lang="en-US" altLang="zh-CN" b="0" i="1" smtClean="0">
+                                <a:latin typeface="Cambria Math" panose="02040503050406030204" pitchFamily="18" charset="0"/>
+                              </a:rPr>
+                            </m:ctrlPr>
+                          </m:dPr>
+                          <m:e>
+                            <m:sSub>
+                              <m:sSubPr>
+                                <m:ctrlPr>
+                                  <a:rPr lang="en-US" altLang="zh-CN" i="1">
+                                    <a:latin typeface="Cambria Math" panose="02040503050406030204" pitchFamily="18" charset="0"/>
+                                    <a:ea typeface="宋体" panose="02010600030101010101" pitchFamily="2" charset="-122"/>
+                                    <a:cs typeface="Cambria Math" panose="02040503050406030204" charset="0"/>
+                                  </a:rPr>
+                                </m:ctrlPr>
+                              </m:sSubPr>
+                              <m:e>
+                                <m:d>
+                                  <m:dPr>
+                                    <m:begChr m:val="["/>
+                                    <m:endChr m:val="]"/>
+                                    <m:ctrlPr>
+                                      <a:rPr lang="en-US" altLang="zh-CN" i="1">
+                                        <a:latin typeface="Cambria Math" panose="02040503050406030204" pitchFamily="18" charset="0"/>
+                                        <a:ea typeface="宋体" panose="02010600030101010101" pitchFamily="2" charset="-122"/>
+                                        <a:cs typeface="Cambria Math" panose="02040503050406030204" charset="0"/>
+                                      </a:rPr>
+                                    </m:ctrlPr>
+                                  </m:dPr>
+                                  <m:e>
+                                    <m:d>
+                                      <m:dPr>
+                                        <m:begChr m:val="〈"/>
+                                        <m:endChr m:val="〉"/>
+                                        <m:ctrlPr>
+                                          <a:rPr lang="en-US" altLang="zh-CN" i="1">
+                                            <a:latin typeface="Cambria Math" panose="02040503050406030204" pitchFamily="18" charset="0"/>
+                                            <a:ea typeface="宋体" panose="02010600030101010101" pitchFamily="2" charset="-122"/>
+                                            <a:cs typeface="Cambria Math" panose="02040503050406030204" charset="0"/>
+                                          </a:rPr>
+                                        </m:ctrlPr>
+                                      </m:dPr>
+                                      <m:e>
+                                        <m:sSub>
+                                          <m:sSubPr>
+                                            <m:ctrlPr>
+                                              <a:rPr lang="en-US" altLang="zh-CN" i="1" smtClean="0">
+                                                <a:latin typeface="Cambria Math" panose="02040503050406030204" pitchFamily="18" charset="0"/>
+                                                <a:ea typeface="宋体" panose="02010600030101010101" pitchFamily="2" charset="-122"/>
+                                              </a:rPr>
+                                            </m:ctrlPr>
+                                          </m:sSubPr>
+                                          <m:e>
+                                            <m:r>
+                                              <a:rPr lang="en-US" altLang="zh-CN" b="0" i="1" smtClean="0">
+                                                <a:latin typeface="Cambria Math" panose="02040503050406030204" pitchFamily="18" charset="0"/>
+                                                <a:ea typeface="宋体" panose="02010600030101010101" pitchFamily="2" charset="-122"/>
+                                              </a:rPr>
+                                              <m:t>𝑐</m:t>
+                                            </m:r>
+                                          </m:e>
+                                          <m:sub>
+                                            <m:r>
+                                              <a:rPr lang="en-US" altLang="zh-CN" b="0" i="1" smtClean="0">
+                                                <a:latin typeface="Cambria Math" panose="02040503050406030204" pitchFamily="18" charset="0"/>
+                                                <a:ea typeface="宋体" panose="02010600030101010101" pitchFamily="2" charset="-122"/>
+                                              </a:rPr>
+                                              <m:t>1</m:t>
+                                            </m:r>
+                                          </m:sub>
+                                        </m:sSub>
+                                        <m:r>
+                                          <a:rPr lang="en-US" altLang="zh-CN" i="1" smtClean="0">
+                                            <a:latin typeface="Cambria Math" panose="02040503050406030204" pitchFamily="18" charset="0"/>
+                                            <a:ea typeface="宋体" panose="02010600030101010101" pitchFamily="2" charset="-122"/>
+                                          </a:rPr>
+                                          <m:t>⨂</m:t>
+                                        </m:r>
+                                        <m:sSub>
+                                          <m:sSubPr>
+                                            <m:ctrlPr>
+                                              <a:rPr lang="en-US" altLang="zh-CN" i="1">
+                                                <a:latin typeface="Cambria Math" panose="02040503050406030204" pitchFamily="18" charset="0"/>
+                                                <a:ea typeface="宋体" panose="02010600030101010101" pitchFamily="2" charset="-122"/>
+                                              </a:rPr>
+                                            </m:ctrlPr>
+                                          </m:sSubPr>
+                                          <m:e>
+                                            <m:r>
+                                              <a:rPr lang="en-US" altLang="zh-CN" i="1">
+                                                <a:latin typeface="Cambria Math" panose="02040503050406030204" pitchFamily="18" charset="0"/>
+                                                <a:ea typeface="宋体" panose="02010600030101010101" pitchFamily="2" charset="-122"/>
+                                              </a:rPr>
+                                              <m:t>𝑐</m:t>
+                                            </m:r>
+                                          </m:e>
+                                          <m:sub>
+                                            <m:r>
+                                              <a:rPr lang="en-US" altLang="zh-CN" b="0" i="1" smtClean="0">
+                                                <a:latin typeface="Cambria Math" panose="02040503050406030204" pitchFamily="18" charset="0"/>
+                                                <a:ea typeface="宋体" panose="02010600030101010101" pitchFamily="2" charset="-122"/>
+                                              </a:rPr>
+                                              <m:t>2</m:t>
+                                            </m:r>
+                                          </m:sub>
+                                        </m:sSub>
+                                        <m:r>
+                                          <a:rPr lang="en-US" altLang="zh-CN" i="1">
+                                            <a:latin typeface="Cambria Math" panose="02040503050406030204" charset="0"/>
+                                            <a:ea typeface="宋体" panose="02010600030101010101" pitchFamily="2" charset="-122"/>
+                                            <a:cs typeface="Cambria Math" panose="02040503050406030204" charset="0"/>
+                                          </a:rPr>
+                                          <m:t>,</m:t>
+                                        </m:r>
+                                        <m:r>
+                                          <a:rPr lang="en-US" altLang="zh-CN" i="1">
+                                            <a:latin typeface="Cambria Math" panose="02040503050406030204" charset="0"/>
+                                            <a:ea typeface="宋体" panose="02010600030101010101" pitchFamily="2" charset="-122"/>
+                                            <a:cs typeface="Cambria Math" panose="02040503050406030204" charset="0"/>
+                                          </a:rPr>
+                                          <m:t>𝑠</m:t>
+                                        </m:r>
+                                        <m:r>
+                                          <a:rPr lang="en-US" altLang="zh-CN" i="1">
+                                            <a:latin typeface="Cambria Math" panose="02040503050406030204" pitchFamily="18" charset="0"/>
+                                            <a:ea typeface="Cambria Math" panose="02040503050406030204" pitchFamily="18" charset="0"/>
+                                            <a:cs typeface="Cambria Math" panose="02040503050406030204" charset="0"/>
+                                          </a:rPr>
+                                          <m:t>⨂</m:t>
+                                        </m:r>
+                                        <m:r>
+                                          <a:rPr lang="en-US" altLang="zh-CN" b="0" i="1" smtClean="0">
+                                            <a:latin typeface="Cambria Math" panose="02040503050406030204" pitchFamily="18" charset="0"/>
+                                            <a:ea typeface="Cambria Math" panose="02040503050406030204" pitchFamily="18" charset="0"/>
+                                            <a:cs typeface="Cambria Math" panose="02040503050406030204" charset="0"/>
+                                          </a:rPr>
+                                          <m:t>𝑠</m:t>
+                                        </m:r>
+                                      </m:e>
+                                    </m:d>
+                                  </m:e>
+                                </m:d>
+                              </m:e>
+                              <m:sub>
+                                <m:r>
+                                  <a:rPr lang="en-US" altLang="zh-CN" i="1">
+                                    <a:latin typeface="Cambria Math" panose="02040503050406030204" charset="0"/>
+                                    <a:ea typeface="宋体" panose="02010600030101010101" pitchFamily="2" charset="-122"/>
+                                    <a:cs typeface="Cambria Math" panose="02040503050406030204" charset="0"/>
+                                  </a:rPr>
+                                  <m:t>𝑞</m:t>
+                                </m:r>
+                              </m:sub>
+                            </m:sSub>
+                          </m:e>
+                        </m:d>
+                      </m:e>
+                      <m:sub>
+                        <m:r>
+                          <a:rPr lang="en-US" altLang="zh-CN" b="0" i="1" smtClean="0">
+                            <a:latin typeface="Cambria Math" panose="02040503050406030204" pitchFamily="18" charset="0"/>
+                          </a:rPr>
+                          <m:t>2</m:t>
+                        </m:r>
+                      </m:sub>
+                    </m:sSub>
+                  </m:oMath>
+                </a14:m>
+                <a:r>
+                  <a:rPr lang="zh-CN" altLang="en-US" dirty="0"/>
+                  <a:t>密文和密钥都阔维了</a:t>
+                </a:r>
+              </a:p>
+            </p:txBody>
+          </p:sp>
+        </mc:Choice>
+        <mc:Fallback xmlns="">
+          <p:sp>
+            <p:nvSpPr>
+              <p:cNvPr id="10" name="文本框 9">
+                <a:extLst>
+                  <a:ext uri="{FF2B5EF4-FFF2-40B4-BE49-F238E27FC236}">
+                    <a16:creationId xmlns:a16="http://schemas.microsoft.com/office/drawing/2014/main" id="{D5F3C1F8-37D4-4CFC-A244-8C54BCCB4B3F}"/>
+                  </a:ext>
+                </a:extLst>
+              </p:cNvPr>
+              <p:cNvSpPr txBox="1">
+                <a:spLocks noRot="1" noChangeAspect="1" noMove="1" noResize="1" noEditPoints="1" noAdjustHandles="1" noChangeArrowheads="1" noChangeShapeType="1" noTextEdit="1"/>
+              </p:cNvSpPr>
+              <p:nvPr/>
+            </p:nvSpPr>
+            <p:spPr>
+              <a:xfrm>
+                <a:off x="6403780" y="3545199"/>
+                <a:ext cx="5788220" cy="1266501"/>
+              </a:xfrm>
+              <a:prstGeom prst="rect">
+                <a:avLst/>
+              </a:prstGeom>
+              <a:blipFill>
+                <a:blip r:embed="rId5"/>
+                <a:stretch>
+                  <a:fillRect l="-842" t="-3382" b="-483"/>
+                </a:stretch>
+              </a:blipFill>
+            </p:spPr>
+            <p:txBody>
+              <a:bodyPr/>
+              <a:lstStyle/>
+              <a:p>
+                <a:r>
+                  <a:rPr lang="zh-CN" altLang="en-US">
+                    <a:noFill/>
+                  </a:rPr>
+                  <a:t> </a:t>
+                </a:r>
+              </a:p>
+            </p:txBody>
+          </p:sp>
+        </mc:Fallback>
+      </mc:AlternateContent>
     </p:spTree>
   </p:cSld>
   <p:clrMapOvr>
@@ -3650,7 +4791,14 @@
         <p:cNvGrpSpPr/>
         <p:nvPr/>
       </p:nvGrpSpPr>
-      <p:grpSpPr/>
+      <p:grpSpPr>
+        <a:xfrm>
+          <a:off x="0" y="0"/>
+          <a:ext cx="0" cy="0"/>
+          <a:chOff x="0" y="0"/>
+          <a:chExt cx="0" cy="0"/>
+        </a:xfrm>
+      </p:grpSpPr>
       <p:pic>
         <p:nvPicPr>
           <p:cNvPr id="7" name="图片 6"/>
@@ -3660,7 +4808,7 @@
           <p:nvPr/>
         </p:nvPicPr>
         <p:blipFill>
-          <a:blip r:embed="rId1">
+          <a:blip r:embed="rId2">
             <a:extLst>
               <a:ext uri="{28A0092B-C50C-407E-A947-70E740481C1C}">
                 <a14:useLocalDpi xmlns:a14="http://schemas.microsoft.com/office/drawing/2010/main" val="0"/>
@@ -3701,28 +4849,78 @@
           <a:bodyPr wrap="square" rtlCol="0">
             <a:spAutoFit/>
           </a:bodyPr>
+          <a:lstStyle/>
           <a:p>
             <a:r>
               <a:rPr lang="zh-CN" altLang="en-US" b="1" dirty="0">
                 <a:latin typeface="Times New Roman" panose="02020603050405020304" pitchFamily="18" charset="0"/>
                 <a:cs typeface="Times New Roman" panose="02020603050405020304" pitchFamily="18" charset="0"/>
               </a:rPr>
-              <a:t>重线性化</a:t>
-            </a:r>
-            <a:r>
-              <a:rPr lang="zh-CN" altLang="en-US" b="1" dirty="0">
-                <a:latin typeface="Times New Roman" panose="02020603050405020304" pitchFamily="18" charset="0"/>
-                <a:cs typeface="Times New Roman" panose="02020603050405020304" pitchFamily="18" charset="0"/>
-              </a:rPr>
-              <a:t>体现</a:t>
-            </a:r>
-            <a:endParaRPr lang="zh-CN" altLang="en-US" b="1" dirty="0">
-              <a:latin typeface="Times New Roman" panose="02020603050405020304" pitchFamily="18" charset="0"/>
-              <a:cs typeface="Times New Roman" panose="02020603050405020304" pitchFamily="18" charset="0"/>
-            </a:endParaRPr>
-          </a:p>
-        </p:txBody>
-      </p:sp>
+              <a:t>重线性化体现</a:t>
+            </a:r>
+          </a:p>
+        </p:txBody>
+      </p:sp>
+      <p:pic>
+        <p:nvPicPr>
+          <p:cNvPr id="3" name="图片 2">
+            <a:extLst>
+              <a:ext uri="{FF2B5EF4-FFF2-40B4-BE49-F238E27FC236}">
+                <a16:creationId xmlns:a16="http://schemas.microsoft.com/office/drawing/2014/main" id="{A2501393-0808-4FCD-9F18-3550CCF095D9}"/>
+              </a:ext>
+            </a:extLst>
+          </p:cNvPr>
+          <p:cNvPicPr>
+            <a:picLocks noChangeAspect="1"/>
+          </p:cNvPicPr>
+          <p:nvPr/>
+        </p:nvPicPr>
+        <p:blipFill>
+          <a:blip r:embed="rId3"/>
+          <a:stretch>
+            <a:fillRect/>
+          </a:stretch>
+        </p:blipFill>
+        <p:spPr>
+          <a:xfrm>
+            <a:off x="1186595" y="1374238"/>
+            <a:ext cx="9725025" cy="3438525"/>
+          </a:xfrm>
+          <a:prstGeom prst="rect">
+            <a:avLst/>
+          </a:prstGeom>
+        </p:spPr>
+      </p:pic>
+      <p:pic>
+        <p:nvPicPr>
+          <p:cNvPr id="6" name="图片 5">
+            <a:extLst>
+              <a:ext uri="{FF2B5EF4-FFF2-40B4-BE49-F238E27FC236}">
+                <a16:creationId xmlns:a16="http://schemas.microsoft.com/office/drawing/2014/main" id="{5F5352F9-8783-4286-8CA4-CCC225B33643}"/>
+              </a:ext>
+            </a:extLst>
+          </p:cNvPr>
+          <p:cNvPicPr>
+            <a:picLocks noChangeAspect="1"/>
+          </p:cNvPicPr>
+          <p:nvPr/>
+        </p:nvPicPr>
+        <p:blipFill>
+          <a:blip r:embed="rId4"/>
+          <a:stretch>
+            <a:fillRect/>
+          </a:stretch>
+        </p:blipFill>
+        <p:spPr>
+          <a:xfrm>
+            <a:off x="1448630" y="4812763"/>
+            <a:ext cx="10144125" cy="1571625"/>
+          </a:xfrm>
+          <a:prstGeom prst="rect">
+            <a:avLst/>
+          </a:prstGeom>
+        </p:spPr>
+      </p:pic>
     </p:spTree>
   </p:cSld>
   <p:clrMapOvr>
@@ -3740,7 +4938,14 @@
         <p:cNvGrpSpPr/>
         <p:nvPr/>
       </p:nvGrpSpPr>
-      <p:grpSpPr/>
+      <p:grpSpPr>
+        <a:xfrm>
+          <a:off x="0" y="0"/>
+          <a:ext cx="0" cy="0"/>
+          <a:chOff x="0" y="0"/>
+          <a:chExt cx="0" cy="0"/>
+        </a:xfrm>
+      </p:grpSpPr>
       <p:pic>
         <p:nvPicPr>
           <p:cNvPr id="7" name="图片 6"/>
@@ -3750,7 +4955,7 @@
           <p:nvPr/>
         </p:nvPicPr>
         <p:blipFill>
-          <a:blip r:embed="rId1">
+          <a:blip r:embed="rId3">
             <a:extLst>
               <a:ext uri="{28A0092B-C50C-407E-A947-70E740481C1C}">
                 <a14:useLocalDpi xmlns:a14="http://schemas.microsoft.com/office/drawing/2010/main" val="0"/>
@@ -3778,7 +4983,7 @@
           <p:nvPr/>
         </p:nvPicPr>
         <p:blipFill>
-          <a:blip r:embed="rId2"/>
+          <a:blip r:embed="rId4"/>
           <a:stretch>
             <a:fillRect/>
           </a:stretch>
@@ -3813,25 +5018,15 @@
           <a:bodyPr wrap="square" rtlCol="0">
             <a:spAutoFit/>
           </a:bodyPr>
+          <a:lstStyle/>
           <a:p>
             <a:r>
               <a:rPr lang="zh-CN" altLang="en-US" b="1" dirty="0">
                 <a:latin typeface="Times New Roman" panose="02020603050405020304" pitchFamily="18" charset="0"/>
                 <a:cs typeface="Times New Roman" panose="02020603050405020304" pitchFamily="18" charset="0"/>
               </a:rPr>
-              <a:t>模交换是如何</a:t>
-            </a:r>
-            <a:r>
-              <a:rPr lang="zh-CN" altLang="en-US" b="1" dirty="0">
-                <a:latin typeface="Times New Roman" panose="02020603050405020304" pitchFamily="18" charset="0"/>
-                <a:cs typeface="Times New Roman" panose="02020603050405020304" pitchFamily="18" charset="0"/>
-              </a:rPr>
-              <a:t>影响噪声的</a:t>
-            </a:r>
-            <a:endParaRPr lang="zh-CN" altLang="en-US" b="1" dirty="0">
-              <a:latin typeface="Times New Roman" panose="02020603050405020304" pitchFamily="18" charset="0"/>
-              <a:cs typeface="Times New Roman" panose="02020603050405020304" pitchFamily="18" charset="0"/>
-            </a:endParaRPr>
+              <a:t>模交换是如何影响噪声的</a:t>
+            </a:r>
           </a:p>
         </p:txBody>
       </p:sp>
@@ -3852,7 +5047,14 @@
         <p:cNvGrpSpPr/>
         <p:nvPr/>
       </p:nvGrpSpPr>
-      <p:grpSpPr/>
+      <p:grpSpPr>
+        <a:xfrm>
+          <a:off x="0" y="0"/>
+          <a:ext cx="0" cy="0"/>
+          <a:chOff x="0" y="0"/>
+          <a:chExt cx="0" cy="0"/>
+        </a:xfrm>
+      </p:grpSpPr>
       <p:pic>
         <p:nvPicPr>
           <p:cNvPr id="7" name="图片 6"/>
@@ -3862,7 +5064,166 @@
           <p:nvPr/>
         </p:nvPicPr>
         <p:blipFill>
-          <a:blip r:embed="rId1">
+          <a:blip r:embed="rId2">
+            <a:extLst>
+              <a:ext uri="{28A0092B-C50C-407E-A947-70E740481C1C}">
+                <a14:useLocalDpi xmlns:a14="http://schemas.microsoft.com/office/drawing/2010/main" val="0"/>
+              </a:ext>
+            </a:extLst>
+          </a:blip>
+          <a:stretch>
+            <a:fillRect/>
+          </a:stretch>
+        </p:blipFill>
+        <p:spPr>
+          <a:xfrm>
+            <a:off x="98216" y="114458"/>
+            <a:ext cx="3782447" cy="795514"/>
+          </a:xfrm>
+          <a:prstGeom prst="rect">
+            <a:avLst/>
+          </a:prstGeom>
+        </p:spPr>
+      </p:pic>
+      <p:pic>
+        <p:nvPicPr>
+          <p:cNvPr id="3" name="图片 2">
+            <a:extLst>
+              <a:ext uri="{FF2B5EF4-FFF2-40B4-BE49-F238E27FC236}">
+                <a16:creationId xmlns:a16="http://schemas.microsoft.com/office/drawing/2014/main" id="{0C05C73B-8890-4C18-A744-92EEFA8D40B0}"/>
+              </a:ext>
+            </a:extLst>
+          </p:cNvPr>
+          <p:cNvPicPr>
+            <a:picLocks noChangeAspect="1"/>
+          </p:cNvPicPr>
+          <p:nvPr/>
+        </p:nvPicPr>
+        <p:blipFill rotWithShape="1">
+          <a:blip r:embed="rId3"/>
+          <a:srcRect r="918" b="3768"/>
+          <a:stretch/>
+        </p:blipFill>
+        <p:spPr>
+          <a:xfrm>
+            <a:off x="413562" y="1763872"/>
+            <a:ext cx="5855677" cy="4041298"/>
+          </a:xfrm>
+          <a:prstGeom prst="rect">
+            <a:avLst/>
+          </a:prstGeom>
+        </p:spPr>
+      </p:pic>
+      <p:sp>
+        <p:nvSpPr>
+          <p:cNvPr id="5" name="文本框 4">
+            <a:extLst>
+              <a:ext uri="{FF2B5EF4-FFF2-40B4-BE49-F238E27FC236}">
+                <a16:creationId xmlns:a16="http://schemas.microsoft.com/office/drawing/2014/main" id="{85FEE346-1096-46FA-B70B-911B576670A4}"/>
+              </a:ext>
+            </a:extLst>
+          </p:cNvPr>
+          <p:cNvSpPr txBox="1"/>
+          <p:nvPr/>
+        </p:nvSpPr>
+        <p:spPr>
+          <a:xfrm>
+            <a:off x="505460" y="1052830"/>
+            <a:ext cx="3110865" cy="368300"/>
+          </a:xfrm>
+          <a:prstGeom prst="rect">
+            <a:avLst/>
+          </a:prstGeom>
+          <a:noFill/>
+        </p:spPr>
+        <p:txBody>
+          <a:bodyPr wrap="square" rtlCol="0">
+            <a:spAutoFit/>
+          </a:bodyPr>
+          <a:lstStyle/>
+          <a:p>
+            <a:r>
+              <a:rPr lang="en-US" altLang="zh-CN" b="1" dirty="0">
+                <a:latin typeface="Times New Roman" panose="02020603050405020304" pitchFamily="18" charset="0"/>
+                <a:cs typeface="Times New Roman" panose="02020603050405020304" pitchFamily="18" charset="0"/>
+              </a:rPr>
+              <a:t>BGV</a:t>
+            </a:r>
+            <a:r>
+              <a:rPr lang="zh-CN" altLang="en-US" b="1" dirty="0">
+                <a:latin typeface="Times New Roman" panose="02020603050405020304" pitchFamily="18" charset="0"/>
+                <a:cs typeface="Times New Roman" panose="02020603050405020304" pitchFamily="18" charset="0"/>
+              </a:rPr>
+              <a:t>方案</a:t>
+            </a:r>
+          </a:p>
+        </p:txBody>
+      </p:sp>
+      <p:pic>
+        <p:nvPicPr>
+          <p:cNvPr id="6" name="图片 5">
+            <a:extLst>
+              <a:ext uri="{FF2B5EF4-FFF2-40B4-BE49-F238E27FC236}">
+                <a16:creationId xmlns:a16="http://schemas.microsoft.com/office/drawing/2014/main" id="{A845BB3A-F068-4269-8E9B-646FA9A04B7C}"/>
+              </a:ext>
+            </a:extLst>
+          </p:cNvPr>
+          <p:cNvPicPr>
+            <a:picLocks noChangeAspect="1"/>
+          </p:cNvPicPr>
+          <p:nvPr/>
+        </p:nvPicPr>
+        <p:blipFill>
+          <a:blip r:embed="rId4"/>
+          <a:stretch>
+            <a:fillRect/>
+          </a:stretch>
+        </p:blipFill>
+        <p:spPr>
+          <a:xfrm>
+            <a:off x="6140669" y="1008184"/>
+            <a:ext cx="5470685" cy="5187462"/>
+          </a:xfrm>
+          <a:prstGeom prst="rect">
+            <a:avLst/>
+          </a:prstGeom>
+        </p:spPr>
+      </p:pic>
+    </p:spTree>
+  </p:cSld>
+  <p:clrMapOvr>
+    <a:masterClrMapping/>
+  </p:clrMapOvr>
+</p:sld>
+</file>
+
+<file path=ppt/slides/slide6.xml><?xml version="1.0" encoding="utf-8"?>
+<p:sld xmlns:a="http://schemas.openxmlformats.org/drawingml/2006/main" xmlns:r="http://schemas.openxmlformats.org/officeDocument/2006/relationships" xmlns:p="http://schemas.openxmlformats.org/presentationml/2006/main">
+  <p:cSld>
+    <p:spTree>
+      <p:nvGrpSpPr>
+        <p:cNvPr id="1" name=""/>
+        <p:cNvGrpSpPr/>
+        <p:nvPr/>
+      </p:nvGrpSpPr>
+      <p:grpSpPr>
+        <a:xfrm>
+          <a:off x="0" y="0"/>
+          <a:ext cx="0" cy="0"/>
+          <a:chOff x="0" y="0"/>
+          <a:chExt cx="0" cy="0"/>
+        </a:xfrm>
+      </p:grpSpPr>
+      <p:pic>
+        <p:nvPicPr>
+          <p:cNvPr id="7" name="图片 6"/>
+          <p:cNvPicPr>
+            <a:picLocks noChangeAspect="1"/>
+          </p:cNvPicPr>
+          <p:nvPr/>
+        </p:nvPicPr>
+        <p:blipFill>
+          <a:blip r:embed="rId2">
             <a:extLst>
               <a:ext uri="{28A0092B-C50C-407E-A947-70E740481C1C}">
                 <a14:useLocalDpi xmlns:a14="http://schemas.microsoft.com/office/drawing/2010/main" val="0"/>
@@ -3892,63 +5253,15 @@
           <p:nvPr/>
         </p:nvPicPr>
         <p:blipFill>
-          <a:blip r:embed="rId2"/>
+          <a:blip r:embed="rId3"/>
           <a:stretch>
             <a:fillRect/>
           </a:stretch>
         </p:blipFill>
         <p:spPr>
           <a:xfrm>
-            <a:off x="5227320" y="909955"/>
+            <a:off x="4893212" y="792741"/>
             <a:ext cx="6060440" cy="5648960"/>
-          </a:xfrm>
-          <a:prstGeom prst="rect">
-            <a:avLst/>
-          </a:prstGeom>
-        </p:spPr>
-      </p:pic>
-    </p:spTree>
-  </p:cSld>
-  <p:clrMapOvr>
-    <a:masterClrMapping/>
-  </p:clrMapOvr>
-</p:sld>
-</file>
-
-<file path=ppt/slides/slide6.xml><?xml version="1.0" encoding="utf-8"?>
-<p:sld xmlns:a="http://schemas.openxmlformats.org/drawingml/2006/main" xmlns:r="http://schemas.openxmlformats.org/officeDocument/2006/relationships" xmlns:p="http://schemas.openxmlformats.org/presentationml/2006/main">
-  <p:cSld>
-    <p:spTree>
-      <p:nvGrpSpPr>
-        <p:cNvPr id="1" name=""/>
-        <p:cNvGrpSpPr/>
-        <p:nvPr/>
-      </p:nvGrpSpPr>
-      <p:grpSpPr/>
-      <p:pic>
-        <p:nvPicPr>
-          <p:cNvPr id="7" name="图片 6"/>
-          <p:cNvPicPr>
-            <a:picLocks noChangeAspect="1"/>
-          </p:cNvPicPr>
-          <p:nvPr/>
-        </p:nvPicPr>
-        <p:blipFill>
-          <a:blip r:embed="rId1">
-            <a:extLst>
-              <a:ext uri="{28A0092B-C50C-407E-A947-70E740481C1C}">
-                <a14:useLocalDpi xmlns:a14="http://schemas.microsoft.com/office/drawing/2010/main" val="0"/>
-              </a:ext>
-            </a:extLst>
-          </a:blip>
-          <a:stretch>
-            <a:fillRect/>
-          </a:stretch>
-        </p:blipFill>
-        <p:spPr>
-          <a:xfrm>
-            <a:off x="98216" y="114458"/>
-            <a:ext cx="3782447" cy="795514"/>
           </a:xfrm>
           <a:prstGeom prst="rect">
             <a:avLst/>
@@ -3972,7 +5285,14 @@
         <p:cNvGrpSpPr/>
         <p:nvPr/>
       </p:nvGrpSpPr>
-      <p:grpSpPr/>
+      <p:grpSpPr>
+        <a:xfrm>
+          <a:off x="0" y="0"/>
+          <a:ext cx="0" cy="0"/>
+          <a:chOff x="0" y="0"/>
+          <a:chExt cx="0" cy="0"/>
+        </a:xfrm>
+      </p:grpSpPr>
       <p:pic>
         <p:nvPicPr>
           <p:cNvPr id="7" name="图片 6"/>
@@ -3982,7 +5302,7 @@
           <p:nvPr/>
         </p:nvPicPr>
         <p:blipFill>
-          <a:blip r:embed="rId1">
+          <a:blip r:embed="rId2">
             <a:extLst>
               <a:ext uri="{28A0092B-C50C-407E-A947-70E740481C1C}">
                 <a14:useLocalDpi xmlns:a14="http://schemas.microsoft.com/office/drawing/2010/main" val="0"/>
@@ -4012,7 +5332,7 @@
           <p:nvPr/>
         </p:nvPicPr>
         <p:blipFill>
-          <a:blip r:embed="rId2"/>
+          <a:blip r:embed="rId3"/>
           <a:stretch>
             <a:fillRect/>
           </a:stretch>
@@ -4047,6 +5367,7 @@
           <a:bodyPr wrap="square" rtlCol="0">
             <a:spAutoFit/>
           </a:bodyPr>
+          <a:lstStyle/>
           <a:p>
             <a:r>
               <a:rPr lang="en-US" altLang="zh-CN" b="1" dirty="0">
@@ -4062,10 +5383,6 @@
               </a:rPr>
               <a:t>解密</a:t>
             </a:r>
-            <a:endParaRPr lang="zh-CN" altLang="en-US" b="1" dirty="0">
-              <a:latin typeface="Times New Roman" panose="02020603050405020304" pitchFamily="18" charset="0"/>
-              <a:cs typeface="Times New Roman" panose="02020603050405020304" pitchFamily="18" charset="0"/>
-            </a:endParaRPr>
           </a:p>
         </p:txBody>
       </p:sp>
@@ -4078,14 +5395,14 @@
           <p:nvPr/>
         </p:nvPicPr>
         <p:blipFill>
-          <a:blip r:embed="rId3"/>
+          <a:blip r:embed="rId4"/>
           <a:stretch>
             <a:fillRect/>
           </a:stretch>
         </p:blipFill>
         <p:spPr>
           <a:xfrm>
-            <a:off x="5591810" y="2348230"/>
+            <a:off x="5662986" y="1475740"/>
             <a:ext cx="6383655" cy="2552065"/>
           </a:xfrm>
           <a:prstGeom prst="rect">
@@ -4101,57 +5418,9 @@
 </p:sld>
 </file>
 
-<file path=ppt/slides/slide8.xml><?xml version="1.0" encoding="utf-8"?>
-<p:sld xmlns:a="http://schemas.openxmlformats.org/drawingml/2006/main" xmlns:r="http://schemas.openxmlformats.org/officeDocument/2006/relationships" xmlns:p="http://schemas.openxmlformats.org/presentationml/2006/main">
-  <p:cSld>
-    <p:spTree>
-      <p:nvGrpSpPr>
-        <p:cNvPr id="1" name=""/>
-        <p:cNvGrpSpPr/>
-        <p:nvPr/>
-      </p:nvGrpSpPr>
-      <p:grpSpPr/>
-      <p:pic>
-        <p:nvPicPr>
-          <p:cNvPr id="7" name="图片 6"/>
-          <p:cNvPicPr>
-            <a:picLocks noChangeAspect="1"/>
-          </p:cNvPicPr>
-          <p:nvPr/>
-        </p:nvPicPr>
-        <p:blipFill>
-          <a:blip r:embed="rId1">
-            <a:extLst>
-              <a:ext uri="{28A0092B-C50C-407E-A947-70E740481C1C}">
-                <a14:useLocalDpi xmlns:a14="http://schemas.microsoft.com/office/drawing/2010/main" val="0"/>
-              </a:ext>
-            </a:extLst>
-          </a:blip>
-          <a:stretch>
-            <a:fillRect/>
-          </a:stretch>
-        </p:blipFill>
-        <p:spPr>
-          <a:xfrm>
-            <a:off x="98216" y="114458"/>
-            <a:ext cx="3782447" cy="795514"/>
-          </a:xfrm>
-          <a:prstGeom prst="rect">
-            <a:avLst/>
-          </a:prstGeom>
-        </p:spPr>
-      </p:pic>
-    </p:spTree>
-  </p:cSld>
-  <p:clrMapOvr>
-    <a:masterClrMapping/>
-  </p:clrMapOvr>
-</p:sld>
-</file>
-
 <file path=ppt/tags/tag1.xml><?xml version="1.0" encoding="utf-8"?>
-<p:tagLst xmlns:p="http://schemas.openxmlformats.org/presentationml/2006/main">
-  <p:tag name="commondata" val="eyJoZGlkIjoiYzk1MGUwZGM1NThjNWZlYTFjNDdhMGEyMmZlNjlmMjcifQ=="/>
+<p:tagLst xmlns:a="http://schemas.openxmlformats.org/drawingml/2006/main" xmlns:r="http://schemas.openxmlformats.org/officeDocument/2006/relationships" xmlns:p="http://schemas.openxmlformats.org/presentationml/2006/main">
+  <p:tag name="COMMONDATA" val="eyJoZGlkIjoiYzk1MGUwZGM1NThjNWZlYTFjNDdhMGEyMmZlNjlmMjcifQ=="/>
 </p:tagLst>
 </file>
 
@@ -4398,6 +5667,8 @@
       </a:bgFillStyleLst>
     </a:fmtScheme>
   </a:themeElements>
+  <a:objectDefaults/>
+  <a:extraClrSchemeLst/>
   <a:extLst>
     <a:ext uri="{05A4C25C-085E-4340-85A3-A5531E510DB2}">
       <thm15:themeFamily xmlns:thm15="http://schemas.microsoft.com/office/thememl/2012/main" name="Office Theme" id="{62F939B6-93AF-4DB8-9C6B-D6C7DFDC589F}" vid="{4A3C46E8-61CC-4603-A589-7422A47A8E4A}"/>
@@ -4657,6 +5928,8 @@
       </a:bgFillStyleLst>
     </a:fmtScheme>
   </a:themeElements>
+  <a:objectDefaults/>
+  <a:extraClrSchemeLst/>
   <a:extLst>
     <a:ext uri="{05A4C25C-085E-4340-85A3-A5531E510DB2}">
       <thm15:themeFamily xmlns:thm15="http://schemas.microsoft.com/office/thememl/2012/main" name="Office Theme" id="{62F939B6-93AF-4DB8-9C6B-D6C7DFDC589F}" vid="{4A3C46E8-61CC-4603-A589-7422A47A8E4A}"/>
